--- a/ChroncileStampedLock/Chronicle=RFC.pptx
+++ b/ChroncileStampedLock/Chronicle=RFC.pptx
@@ -263,7 +263,7 @@
           <a:p>
             <a:fld id="{AC27DF5B-FC35-4261-A80E-D864790832D3}" type="datetimeFigureOut">
               <a:rPr lang="en-US" smtClean="0"/>
-              <a:t>7/14/2020</a:t>
+              <a:t>7/18/2020</a:t>
             </a:fld>
             <a:endParaRPr lang="en-US"/>
           </a:p>
@@ -461,7 +461,7 @@
           <a:p>
             <a:fld id="{AC27DF5B-FC35-4261-A80E-D864790832D3}" type="datetimeFigureOut">
               <a:rPr lang="en-US" smtClean="0"/>
-              <a:t>7/14/2020</a:t>
+              <a:t>7/18/2020</a:t>
             </a:fld>
             <a:endParaRPr lang="en-US"/>
           </a:p>
@@ -669,7 +669,7 @@
           <a:p>
             <a:fld id="{AC27DF5B-FC35-4261-A80E-D864790832D3}" type="datetimeFigureOut">
               <a:rPr lang="en-US" smtClean="0"/>
-              <a:t>7/14/2020</a:t>
+              <a:t>7/18/2020</a:t>
             </a:fld>
             <a:endParaRPr lang="en-US"/>
           </a:p>
@@ -867,7 +867,7 @@
           <a:p>
             <a:fld id="{AC27DF5B-FC35-4261-A80E-D864790832D3}" type="datetimeFigureOut">
               <a:rPr lang="en-US" smtClean="0"/>
-              <a:t>7/14/2020</a:t>
+              <a:t>7/18/2020</a:t>
             </a:fld>
             <a:endParaRPr lang="en-US"/>
           </a:p>
@@ -1142,7 +1142,7 @@
           <a:p>
             <a:fld id="{AC27DF5B-FC35-4261-A80E-D864790832D3}" type="datetimeFigureOut">
               <a:rPr lang="en-US" smtClean="0"/>
-              <a:t>7/14/2020</a:t>
+              <a:t>7/18/2020</a:t>
             </a:fld>
             <a:endParaRPr lang="en-US"/>
           </a:p>
@@ -1407,7 +1407,7 @@
           <a:p>
             <a:fld id="{AC27DF5B-FC35-4261-A80E-D864790832D3}" type="datetimeFigureOut">
               <a:rPr lang="en-US" smtClean="0"/>
-              <a:t>7/14/2020</a:t>
+              <a:t>7/18/2020</a:t>
             </a:fld>
             <a:endParaRPr lang="en-US"/>
           </a:p>
@@ -1819,7 +1819,7 @@
           <a:p>
             <a:fld id="{AC27DF5B-FC35-4261-A80E-D864790832D3}" type="datetimeFigureOut">
               <a:rPr lang="en-US" smtClean="0"/>
-              <a:t>7/14/2020</a:t>
+              <a:t>7/18/2020</a:t>
             </a:fld>
             <a:endParaRPr lang="en-US"/>
           </a:p>
@@ -1960,7 +1960,7 @@
           <a:p>
             <a:fld id="{AC27DF5B-FC35-4261-A80E-D864790832D3}" type="datetimeFigureOut">
               <a:rPr lang="en-US" smtClean="0"/>
-              <a:t>7/14/2020</a:t>
+              <a:t>7/18/2020</a:t>
             </a:fld>
             <a:endParaRPr lang="en-US"/>
           </a:p>
@@ -2073,7 +2073,7 @@
           <a:p>
             <a:fld id="{AC27DF5B-FC35-4261-A80E-D864790832D3}" type="datetimeFigureOut">
               <a:rPr lang="en-US" smtClean="0"/>
-              <a:t>7/14/2020</a:t>
+              <a:t>7/18/2020</a:t>
             </a:fld>
             <a:endParaRPr lang="en-US"/>
           </a:p>
@@ -2384,7 +2384,7 @@
           <a:p>
             <a:fld id="{AC27DF5B-FC35-4261-A80E-D864790832D3}" type="datetimeFigureOut">
               <a:rPr lang="en-US" smtClean="0"/>
-              <a:t>7/14/2020</a:t>
+              <a:t>7/18/2020</a:t>
             </a:fld>
             <a:endParaRPr lang="en-US"/>
           </a:p>
@@ -2672,7 +2672,7 @@
           <a:p>
             <a:fld id="{AC27DF5B-FC35-4261-A80E-D864790832D3}" type="datetimeFigureOut">
               <a:rPr lang="en-US" smtClean="0"/>
-              <a:t>7/14/2020</a:t>
+              <a:t>7/18/2020</a:t>
             </a:fld>
             <a:endParaRPr lang="en-US"/>
           </a:p>
@@ -2913,7 +2913,7 @@
           <a:p>
             <a:fld id="{AC27DF5B-FC35-4261-A80E-D864790832D3}" type="datetimeFigureOut">
               <a:rPr lang="en-US" smtClean="0"/>
-              <a:t>7/14/2020</a:t>
+              <a:t>7/18/2020</a:t>
             </a:fld>
             <a:endParaRPr lang="en-US"/>
           </a:p>
@@ -3376,7 +3376,7 @@
           <a:bodyPr/>
           <a:lstStyle/>
           <a:p>
-            <a:endParaRPr lang="en-US"/>
+            <a:endParaRPr lang="en-US" dirty="0"/>
           </a:p>
         </p:txBody>
       </p:sp>
@@ -5318,36 +5318,6 @@
           </a:extLst>
         </p:spPr>
       </p:pic>
-      <p:pic>
-        <p:nvPicPr>
-          <p:cNvPr id="6" name="Picture 5">
-            <a:extLst>
-              <a:ext uri="{FF2B5EF4-FFF2-40B4-BE49-F238E27FC236}">
-                <a16:creationId xmlns:a16="http://schemas.microsoft.com/office/drawing/2014/main" id="{FA858650-57E2-422C-9E42-8E0A8231E3E4}"/>
-              </a:ext>
-            </a:extLst>
-          </p:cNvPr>
-          <p:cNvPicPr>
-            <a:picLocks noChangeAspect="1"/>
-          </p:cNvPicPr>
-          <p:nvPr/>
-        </p:nvPicPr>
-        <p:blipFill>
-          <a:blip r:embed="rId3"/>
-          <a:stretch>
-            <a:fillRect/>
-          </a:stretch>
-        </p:blipFill>
-        <p:spPr>
-          <a:xfrm>
-            <a:off x="273276" y="457441"/>
-            <a:ext cx="11820525" cy="5717268"/>
-          </a:xfrm>
-          <a:prstGeom prst="rect">
-            <a:avLst/>
-          </a:prstGeom>
-        </p:spPr>
-      </p:pic>
       <p:sp>
         <p:nvSpPr>
           <p:cNvPr id="7" name="Arrow: Left 6">
@@ -5425,6 +5395,134 @@
             <a:r>
               <a:rPr lang="en-US" dirty="0"/>
               <a:t>@t = 3</a:t>
+            </a:r>
+          </a:p>
+        </p:txBody>
+      </p:sp>
+      <p:pic>
+        <p:nvPicPr>
+          <p:cNvPr id="2" name="Picture 1">
+            <a:extLst>
+              <a:ext uri="{FF2B5EF4-FFF2-40B4-BE49-F238E27FC236}">
+                <a16:creationId xmlns:a16="http://schemas.microsoft.com/office/drawing/2014/main" id="{130C1478-AA65-439E-B8C1-EAD5843B66F4}"/>
+              </a:ext>
+            </a:extLst>
+          </p:cNvPr>
+          <p:cNvPicPr>
+            <a:picLocks noChangeAspect="1"/>
+          </p:cNvPicPr>
+          <p:nvPr/>
+        </p:nvPicPr>
+        <p:blipFill>
+          <a:blip r:embed="rId3"/>
+          <a:stretch>
+            <a:fillRect/>
+          </a:stretch>
+        </p:blipFill>
+        <p:spPr>
+          <a:xfrm>
+            <a:off x="636134" y="-14515"/>
+            <a:ext cx="11253562" cy="5842228"/>
+          </a:xfrm>
+          <a:prstGeom prst="rect">
+            <a:avLst/>
+          </a:prstGeom>
+        </p:spPr>
+      </p:pic>
+      <p:sp>
+        <p:nvSpPr>
+          <p:cNvPr id="3" name="Arrow: Left 2">
+            <a:extLst>
+              <a:ext uri="{FF2B5EF4-FFF2-40B4-BE49-F238E27FC236}">
+                <a16:creationId xmlns:a16="http://schemas.microsoft.com/office/drawing/2014/main" id="{68F014F0-64A0-4680-BFDD-F3C37614BFD0}"/>
+              </a:ext>
+            </a:extLst>
+          </p:cNvPr>
+          <p:cNvSpPr/>
+          <p:nvPr/>
+        </p:nvSpPr>
+        <p:spPr>
+          <a:xfrm>
+            <a:off x="7286171" y="4249056"/>
+            <a:ext cx="1494972" cy="391885"/>
+          </a:xfrm>
+          <a:prstGeom prst="leftArrow">
+            <a:avLst/>
+          </a:prstGeom>
+        </p:spPr>
+        <p:style>
+          <a:lnRef idx="2">
+            <a:schemeClr val="accent1">
+              <a:shade val="50000"/>
+            </a:schemeClr>
+          </a:lnRef>
+          <a:fillRef idx="1">
+            <a:schemeClr val="accent1"/>
+          </a:fillRef>
+          <a:effectRef idx="0">
+            <a:schemeClr val="accent1"/>
+          </a:effectRef>
+          <a:fontRef idx="minor">
+            <a:schemeClr val="lt1"/>
+          </a:fontRef>
+        </p:style>
+        <p:txBody>
+          <a:bodyPr rtlCol="0" anchor="ctr"/>
+          <a:lstStyle/>
+          <a:p>
+            <a:pPr algn="ctr"/>
+            <a:r>
+              <a:rPr lang="en-US" dirty="0"/>
+              <a:t>@t=2</a:t>
+            </a:r>
+          </a:p>
+        </p:txBody>
+      </p:sp>
+      <p:sp>
+        <p:nvSpPr>
+          <p:cNvPr id="11" name="Arrow: Left 10">
+            <a:extLst>
+              <a:ext uri="{FF2B5EF4-FFF2-40B4-BE49-F238E27FC236}">
+                <a16:creationId xmlns:a16="http://schemas.microsoft.com/office/drawing/2014/main" id="{30F4E7DD-09A1-4098-A07C-060B84766FD6}"/>
+              </a:ext>
+            </a:extLst>
+          </p:cNvPr>
+          <p:cNvSpPr/>
+          <p:nvPr/>
+        </p:nvSpPr>
+        <p:spPr>
+          <a:xfrm>
+            <a:off x="5145314" y="2050141"/>
+            <a:ext cx="1494972" cy="391885"/>
+          </a:xfrm>
+          <a:prstGeom prst="leftArrow">
+            <a:avLst/>
+          </a:prstGeom>
+        </p:spPr>
+        <p:style>
+          <a:lnRef idx="2">
+            <a:schemeClr val="accent1">
+              <a:shade val="50000"/>
+            </a:schemeClr>
+          </a:lnRef>
+          <a:fillRef idx="1">
+            <a:schemeClr val="accent1"/>
+          </a:fillRef>
+          <a:effectRef idx="0">
+            <a:schemeClr val="accent1"/>
+          </a:effectRef>
+          <a:fontRef idx="minor">
+            <a:schemeClr val="lt1"/>
+          </a:fontRef>
+        </p:style>
+        <p:txBody>
+          <a:bodyPr rtlCol="0" anchor="ctr"/>
+          <a:lstStyle/>
+          <a:p>
+            <a:pPr algn="ctr"/>
+            <a:r>
+              <a:rPr lang="en-US" dirty="0"/>
+              <a:t>@t=0</a:t>
             </a:r>
           </a:p>
         </p:txBody>
@@ -5508,10 +5606,10 @@
       </p:pic>
       <p:pic>
         <p:nvPicPr>
-          <p:cNvPr id="7" name="Picture 6">
-            <a:extLst>
-              <a:ext uri="{FF2B5EF4-FFF2-40B4-BE49-F238E27FC236}">
-                <a16:creationId xmlns:a16="http://schemas.microsoft.com/office/drawing/2014/main" id="{6B3CB477-BBE5-4836-B7ED-A256F254471F}"/>
+          <p:cNvPr id="4" name="Picture 3">
+            <a:extLst>
+              <a:ext uri="{FF2B5EF4-FFF2-40B4-BE49-F238E27FC236}">
+                <a16:creationId xmlns:a16="http://schemas.microsoft.com/office/drawing/2014/main" id="{78090BDC-C032-4346-9960-5B9F2D336BE5}"/>
               </a:ext>
             </a:extLst>
           </p:cNvPr>
@@ -5528,8 +5626,8 @@
         </p:blipFill>
         <p:spPr>
           <a:xfrm>
-            <a:off x="423862" y="377371"/>
-            <a:ext cx="11344275" cy="5797338"/>
+            <a:off x="1824037" y="435428"/>
+            <a:ext cx="9420225" cy="5486400"/>
           </a:xfrm>
           <a:prstGeom prst="rect">
             <a:avLst/>
@@ -5538,10 +5636,10 @@
       </p:pic>
       <p:sp>
         <p:nvSpPr>
-          <p:cNvPr id="9" name="Arrow: Left 8">
-            <a:extLst>
-              <a:ext uri="{FF2B5EF4-FFF2-40B4-BE49-F238E27FC236}">
-                <a16:creationId xmlns:a16="http://schemas.microsoft.com/office/drawing/2014/main" id="{A4FECA26-55F6-4EF6-B4A3-1F261350EDD2}"/>
+          <p:cNvPr id="8" name="Arrow: Left 7">
+            <a:extLst>
+              <a:ext uri="{FF2B5EF4-FFF2-40B4-BE49-F238E27FC236}">
+                <a16:creationId xmlns:a16="http://schemas.microsoft.com/office/drawing/2014/main" id="{80A8AF85-F8FA-4713-B847-736001677D0D}"/>
               </a:ext>
             </a:extLst>
           </p:cNvPr>
@@ -5550,7 +5648,7 @@
         </p:nvSpPr>
         <p:spPr>
           <a:xfrm>
-            <a:off x="8853714" y="3643086"/>
+            <a:off x="7427005" y="3429000"/>
             <a:ext cx="1494972" cy="391885"/>
           </a:xfrm>
           <a:prstGeom prst="leftArrow">
@@ -5578,7 +5676,108 @@
           <a:lstStyle/>
           <a:p>
             <a:pPr algn="ctr"/>
-            <a:endParaRPr lang="en-US"/>
+            <a:r>
+              <a:rPr lang="en-US" dirty="0"/>
+              <a:t>@t=1</a:t>
+            </a:r>
+          </a:p>
+        </p:txBody>
+      </p:sp>
+      <p:sp>
+        <p:nvSpPr>
+          <p:cNvPr id="13" name="Arrow: Left 12">
+            <a:extLst>
+              <a:ext uri="{FF2B5EF4-FFF2-40B4-BE49-F238E27FC236}">
+                <a16:creationId xmlns:a16="http://schemas.microsoft.com/office/drawing/2014/main" id="{B3EDAE89-3E34-4094-8F08-70AF0C547B8A}"/>
+              </a:ext>
+            </a:extLst>
+          </p:cNvPr>
+          <p:cNvSpPr/>
+          <p:nvPr/>
+        </p:nvSpPr>
+        <p:spPr>
+          <a:xfrm>
+            <a:off x="7724547" y="2159000"/>
+            <a:ext cx="1494972" cy="391885"/>
+          </a:xfrm>
+          <a:prstGeom prst="leftArrow">
+            <a:avLst/>
+          </a:prstGeom>
+        </p:spPr>
+        <p:style>
+          <a:lnRef idx="2">
+            <a:schemeClr val="accent1">
+              <a:shade val="50000"/>
+            </a:schemeClr>
+          </a:lnRef>
+          <a:fillRef idx="1">
+            <a:schemeClr val="accent1"/>
+          </a:fillRef>
+          <a:effectRef idx="0">
+            <a:schemeClr val="accent1"/>
+          </a:effectRef>
+          <a:fontRef idx="minor">
+            <a:schemeClr val="lt1"/>
+          </a:fontRef>
+        </p:style>
+        <p:txBody>
+          <a:bodyPr rtlCol="0" anchor="ctr"/>
+          <a:lstStyle/>
+          <a:p>
+            <a:pPr algn="ctr"/>
+            <a:r>
+              <a:rPr lang="en-US" dirty="0"/>
+              <a:t>@t=0</a:t>
+            </a:r>
+          </a:p>
+        </p:txBody>
+      </p:sp>
+      <p:sp>
+        <p:nvSpPr>
+          <p:cNvPr id="14" name="Arrow: Left 13">
+            <a:extLst>
+              <a:ext uri="{FF2B5EF4-FFF2-40B4-BE49-F238E27FC236}">
+                <a16:creationId xmlns:a16="http://schemas.microsoft.com/office/drawing/2014/main" id="{1ADC4F8E-83D9-425C-B3A8-261A3B38E602}"/>
+              </a:ext>
+            </a:extLst>
+          </p:cNvPr>
+          <p:cNvSpPr/>
+          <p:nvPr/>
+        </p:nvSpPr>
+        <p:spPr>
+          <a:xfrm>
+            <a:off x="9749290" y="4655457"/>
+            <a:ext cx="1494972" cy="391885"/>
+          </a:xfrm>
+          <a:prstGeom prst="leftArrow">
+            <a:avLst/>
+          </a:prstGeom>
+        </p:spPr>
+        <p:style>
+          <a:lnRef idx="2">
+            <a:schemeClr val="accent1">
+              <a:shade val="50000"/>
+            </a:schemeClr>
+          </a:lnRef>
+          <a:fillRef idx="1">
+            <a:schemeClr val="accent1"/>
+          </a:fillRef>
+          <a:effectRef idx="0">
+            <a:schemeClr val="accent1"/>
+          </a:effectRef>
+          <a:fontRef idx="minor">
+            <a:schemeClr val="lt1"/>
+          </a:fontRef>
+        </p:style>
+        <p:txBody>
+          <a:bodyPr rtlCol="0" anchor="ctr"/>
+          <a:lstStyle/>
+          <a:p>
+            <a:pPr algn="ctr"/>
+            <a:r>
+              <a:rPr lang="en-US" dirty="0"/>
+              <a:t>@t &gt;= 3</a:t>
+            </a:r>
           </a:p>
         </p:txBody>
       </p:sp>
@@ -5661,10 +5860,10 @@
       </p:pic>
       <p:pic>
         <p:nvPicPr>
-          <p:cNvPr id="3" name="Picture 2">
-            <a:extLst>
-              <a:ext uri="{FF2B5EF4-FFF2-40B4-BE49-F238E27FC236}">
-                <a16:creationId xmlns:a16="http://schemas.microsoft.com/office/drawing/2014/main" id="{D40ED3E3-00F1-4DD3-9C89-41CC9E853C8C}"/>
+          <p:cNvPr id="5" name="Picture 4">
+            <a:extLst>
+              <a:ext uri="{FF2B5EF4-FFF2-40B4-BE49-F238E27FC236}">
+                <a16:creationId xmlns:a16="http://schemas.microsoft.com/office/drawing/2014/main" id="{4DE9E614-6BEB-4A34-9492-39D4B044C05C}"/>
               </a:ext>
             </a:extLst>
           </p:cNvPr>
@@ -5681,8 +5880,8 @@
         </p:blipFill>
         <p:spPr>
           <a:xfrm>
-            <a:off x="376237" y="145143"/>
-            <a:ext cx="11439525" cy="5892800"/>
+            <a:off x="-92301" y="0"/>
+            <a:ext cx="12011025" cy="6125027"/>
           </a:xfrm>
           <a:prstGeom prst="rect">
             <a:avLst/>
@@ -5691,10 +5890,10 @@
       </p:pic>
       <p:sp>
         <p:nvSpPr>
-          <p:cNvPr id="4" name="Arrow: Left 3">
-            <a:extLst>
-              <a:ext uri="{FF2B5EF4-FFF2-40B4-BE49-F238E27FC236}">
-                <a16:creationId xmlns:a16="http://schemas.microsoft.com/office/drawing/2014/main" id="{3BB26AB2-00E1-4B0E-A67E-50D1CA3B14E4}"/>
+          <p:cNvPr id="7" name="Arrow: Left 6">
+            <a:extLst>
+              <a:ext uri="{FF2B5EF4-FFF2-40B4-BE49-F238E27FC236}">
+                <a16:creationId xmlns:a16="http://schemas.microsoft.com/office/drawing/2014/main" id="{7E96FEDD-3568-4038-9CF9-7FCE4E2FAC6B}"/>
               </a:ext>
             </a:extLst>
           </p:cNvPr>
@@ -5703,7 +5902,7 @@
         </p:nvSpPr>
         <p:spPr>
           <a:xfrm>
-            <a:off x="7997371" y="3607920"/>
+            <a:off x="5289096" y="2844799"/>
             <a:ext cx="1248229" cy="435428"/>
           </a:xfrm>
           <a:prstGeom prst="leftArrow">
@@ -5731,7 +5930,108 @@
           <a:lstStyle/>
           <a:p>
             <a:pPr algn="ctr"/>
-            <a:endParaRPr lang="en-US"/>
+            <a:r>
+              <a:rPr lang="en-US" dirty="0"/>
+              <a:t>@t=1</a:t>
+            </a:r>
+          </a:p>
+        </p:txBody>
+      </p:sp>
+      <p:sp>
+        <p:nvSpPr>
+          <p:cNvPr id="8" name="Arrow: Left 7">
+            <a:extLst>
+              <a:ext uri="{FF2B5EF4-FFF2-40B4-BE49-F238E27FC236}">
+                <a16:creationId xmlns:a16="http://schemas.microsoft.com/office/drawing/2014/main" id="{CF3CF50D-3261-4F9F-AD24-503F8DE06E20}"/>
+              </a:ext>
+            </a:extLst>
+          </p:cNvPr>
+          <p:cNvSpPr/>
+          <p:nvPr/>
+        </p:nvSpPr>
+        <p:spPr>
+          <a:xfrm>
+            <a:off x="5913210" y="1132113"/>
+            <a:ext cx="1248229" cy="435428"/>
+          </a:xfrm>
+          <a:prstGeom prst="leftArrow">
+            <a:avLst/>
+          </a:prstGeom>
+        </p:spPr>
+        <p:style>
+          <a:lnRef idx="2">
+            <a:schemeClr val="accent1">
+              <a:shade val="50000"/>
+            </a:schemeClr>
+          </a:lnRef>
+          <a:fillRef idx="1">
+            <a:schemeClr val="accent1"/>
+          </a:fillRef>
+          <a:effectRef idx="0">
+            <a:schemeClr val="accent1"/>
+          </a:effectRef>
+          <a:fontRef idx="minor">
+            <a:schemeClr val="lt1"/>
+          </a:fontRef>
+        </p:style>
+        <p:txBody>
+          <a:bodyPr rtlCol="0" anchor="ctr"/>
+          <a:lstStyle/>
+          <a:p>
+            <a:pPr algn="ctr"/>
+            <a:r>
+              <a:rPr lang="en-US" dirty="0"/>
+              <a:t>@t=0</a:t>
+            </a:r>
+          </a:p>
+        </p:txBody>
+      </p:sp>
+      <p:sp>
+        <p:nvSpPr>
+          <p:cNvPr id="11" name="Arrow: Left 10">
+            <a:extLst>
+              <a:ext uri="{FF2B5EF4-FFF2-40B4-BE49-F238E27FC236}">
+                <a16:creationId xmlns:a16="http://schemas.microsoft.com/office/drawing/2014/main" id="{EDD16502-F580-4DA9-A1DA-236B9B12BB2D}"/>
+              </a:ext>
+            </a:extLst>
+          </p:cNvPr>
+          <p:cNvSpPr/>
+          <p:nvPr/>
+        </p:nvSpPr>
+        <p:spPr>
+          <a:xfrm>
+            <a:off x="3438524" y="4535713"/>
+            <a:ext cx="1248229" cy="435428"/>
+          </a:xfrm>
+          <a:prstGeom prst="leftArrow">
+            <a:avLst/>
+          </a:prstGeom>
+        </p:spPr>
+        <p:style>
+          <a:lnRef idx="2">
+            <a:schemeClr val="accent1">
+              <a:shade val="50000"/>
+            </a:schemeClr>
+          </a:lnRef>
+          <a:fillRef idx="1">
+            <a:schemeClr val="accent1"/>
+          </a:fillRef>
+          <a:effectRef idx="0">
+            <a:schemeClr val="accent1"/>
+          </a:effectRef>
+          <a:fontRef idx="minor">
+            <a:schemeClr val="lt1"/>
+          </a:fontRef>
+        </p:style>
+        <p:txBody>
+          <a:bodyPr rtlCol="0" anchor="ctr"/>
+          <a:lstStyle/>
+          <a:p>
+            <a:pPr algn="ctr"/>
+            <a:r>
+              <a:rPr lang="en-US" dirty="0"/>
+              <a:t>@t &gt;= 3</a:t>
+            </a:r>
           </a:p>
         </p:txBody>
       </p:sp>

--- a/ChroncileStampedLock/Chronicle=RFC.pptx
+++ b/ChroncileStampedLock/Chronicle=RFC.pptx
@@ -6,10 +6,12 @@
   </p:sldMasterIdLst>
   <p:sldIdLst>
     <p:sldId id="261" r:id="rId2"/>
-    <p:sldId id="262" r:id="rId3"/>
-    <p:sldId id="257" r:id="rId4"/>
-    <p:sldId id="259" r:id="rId5"/>
-    <p:sldId id="260" r:id="rId6"/>
+    <p:sldId id="263" r:id="rId3"/>
+    <p:sldId id="264" r:id="rId4"/>
+    <p:sldId id="262" r:id="rId5"/>
+    <p:sldId id="257" r:id="rId6"/>
+    <p:sldId id="259" r:id="rId7"/>
+    <p:sldId id="260" r:id="rId8"/>
   </p:sldIdLst>
   <p:sldSz cx="12192000" cy="6858000"/>
   <p:notesSz cx="6858000" cy="9144000"/>
@@ -3355,31 +3357,6 @@
           </a:p>
         </p:txBody>
       </p:sp>
-      <p:sp>
-        <p:nvSpPr>
-          <p:cNvPr id="3" name="Content Placeholder 2">
-            <a:extLst>
-              <a:ext uri="{FF2B5EF4-FFF2-40B4-BE49-F238E27FC236}">
-                <a16:creationId xmlns:a16="http://schemas.microsoft.com/office/drawing/2014/main" id="{D6C74F5B-E440-4C0E-A0AC-D09401327D7C}"/>
-              </a:ext>
-            </a:extLst>
-          </p:cNvPr>
-          <p:cNvSpPr>
-            <a:spLocks noGrp="1"/>
-          </p:cNvSpPr>
-          <p:nvPr>
-            <p:ph idx="1"/>
-          </p:nvPr>
-        </p:nvSpPr>
-        <p:spPr/>
-        <p:txBody>
-          <a:bodyPr/>
-          <a:lstStyle/>
-          <a:p>
-            <a:endParaRPr lang="en-US" dirty="0"/>
-          </a:p>
-        </p:txBody>
-      </p:sp>
       <p:pic>
         <p:nvPicPr>
           <p:cNvPr id="5" name="Picture 4">
@@ -3621,6 +3598,31 @@
           </a:extLst>
         </p:spPr>
       </p:pic>
+      <p:sp>
+        <p:nvSpPr>
+          <p:cNvPr id="10" name="Content Placeholder 9">
+            <a:extLst>
+              <a:ext uri="{FF2B5EF4-FFF2-40B4-BE49-F238E27FC236}">
+                <a16:creationId xmlns:a16="http://schemas.microsoft.com/office/drawing/2014/main" id="{B54E04C6-1CD1-463C-BBF8-FCF15DD117BD}"/>
+              </a:ext>
+            </a:extLst>
+          </p:cNvPr>
+          <p:cNvSpPr>
+            <a:spLocks noGrp="1"/>
+          </p:cNvSpPr>
+          <p:nvPr>
+            <p:ph idx="1"/>
+          </p:nvPr>
+        </p:nvSpPr>
+        <p:spPr/>
+        <p:txBody>
+          <a:bodyPr/>
+          <a:lstStyle/>
+          <a:p>
+            <a:endParaRPr lang="en-US"/>
+          </a:p>
+        </p:txBody>
+      </p:sp>
     </p:spTree>
     <p:extLst>
       <p:ext uri="{BB962C8B-B14F-4D97-AF65-F5344CB8AC3E}">
@@ -3651,62 +3653,91 @@
           <a:chExt cx="0" cy="0"/>
         </a:xfrm>
       </p:grpSpPr>
-      <p:sp>
-        <p:nvSpPr>
-          <p:cNvPr id="2" name="Title 1">
-            <a:extLst>
-              <a:ext uri="{FF2B5EF4-FFF2-40B4-BE49-F238E27FC236}">
-                <a16:creationId xmlns:a16="http://schemas.microsoft.com/office/drawing/2014/main" id="{74FB3E38-9A6A-4A32-BED3-FFAF92660B83}"/>
-              </a:ext>
-            </a:extLst>
-          </p:cNvPr>
-          <p:cNvSpPr>
-            <a:spLocks noGrp="1"/>
-          </p:cNvSpPr>
-          <p:nvPr>
-            <p:ph type="title"/>
-          </p:nvPr>
-        </p:nvSpPr>
-        <p:spPr/>
-        <p:txBody>
-          <a:bodyPr/>
-          <a:lstStyle/>
-          <a:p>
-            <a:endParaRPr lang="en-US"/>
-          </a:p>
-        </p:txBody>
-      </p:sp>
-      <p:sp>
-        <p:nvSpPr>
-          <p:cNvPr id="3" name="Content Placeholder 2">
-            <a:extLst>
-              <a:ext uri="{FF2B5EF4-FFF2-40B4-BE49-F238E27FC236}">
-                <a16:creationId xmlns:a16="http://schemas.microsoft.com/office/drawing/2014/main" id="{A451DE09-6466-48A9-88D8-5D7B17CD8036}"/>
-              </a:ext>
-            </a:extLst>
-          </p:cNvPr>
-          <p:cNvSpPr>
-            <a:spLocks noGrp="1"/>
-          </p:cNvSpPr>
-          <p:nvPr>
-            <p:ph idx="1"/>
-          </p:nvPr>
-        </p:nvSpPr>
-        <p:spPr/>
-        <p:txBody>
-          <a:bodyPr/>
-          <a:lstStyle/>
-          <a:p>
-            <a:endParaRPr lang="en-US" dirty="0"/>
-          </a:p>
-        </p:txBody>
-      </p:sp>
       <p:pic>
         <p:nvPicPr>
-          <p:cNvPr id="4" name="Picture 2" descr="Map reversed">
-            <a:extLst>
-              <a:ext uri="{FF2B5EF4-FFF2-40B4-BE49-F238E27FC236}">
-                <a16:creationId xmlns:a16="http://schemas.microsoft.com/office/drawing/2014/main" id="{EDDFEFC4-7DFC-482E-BBC9-833C27A823A2}"/>
+          <p:cNvPr id="2" name="Content Placeholder 5" descr="A screenshot of a cell phone&#10;&#10;Description automatically generated">
+            <a:extLst>
+              <a:ext uri="{FF2B5EF4-FFF2-40B4-BE49-F238E27FC236}">
+                <a16:creationId xmlns:a16="http://schemas.microsoft.com/office/drawing/2014/main" id="{051C1556-5F37-44CF-95A0-ED372FEF826C}"/>
+              </a:ext>
+            </a:extLst>
+          </p:cNvPr>
+          <p:cNvPicPr>
+            <a:picLocks noChangeAspect="1"/>
+          </p:cNvPicPr>
+          <p:nvPr/>
+        </p:nvPicPr>
+        <p:blipFill>
+          <a:blip r:embed="rId2">
+            <a:extLst>
+              <a:ext uri="{28A0092B-C50C-407E-A947-70E740481C1C}">
+                <a14:useLocalDpi xmlns:a14="http://schemas.microsoft.com/office/drawing/2010/main" val="0"/>
+              </a:ext>
+            </a:extLst>
+          </a:blip>
+          <a:stretch>
+            <a:fillRect/>
+          </a:stretch>
+        </p:blipFill>
+        <p:spPr>
+          <a:xfrm>
+            <a:off x="225665" y="566057"/>
+            <a:ext cx="11740670" cy="5494792"/>
+          </a:xfrm>
+          <a:prstGeom prst="rect">
+            <a:avLst/>
+          </a:prstGeom>
+        </p:spPr>
+      </p:pic>
+      <p:sp>
+        <p:nvSpPr>
+          <p:cNvPr id="3" name="TextBox 2">
+            <a:extLst>
+              <a:ext uri="{FF2B5EF4-FFF2-40B4-BE49-F238E27FC236}">
+                <a16:creationId xmlns:a16="http://schemas.microsoft.com/office/drawing/2014/main" id="{DA071C9B-8600-4B26-A9DC-A4A80269D69B}"/>
+              </a:ext>
+            </a:extLst>
+          </p:cNvPr>
+          <p:cNvSpPr txBox="1"/>
+          <p:nvPr/>
+        </p:nvSpPr>
+        <p:spPr>
+          <a:xfrm>
+            <a:off x="7416800" y="5148552"/>
+            <a:ext cx="2351314" cy="461665"/>
+          </a:xfrm>
+          <a:prstGeom prst="rect">
+            <a:avLst/>
+          </a:prstGeom>
+          <a:noFill/>
+        </p:spPr>
+        <p:txBody>
+          <a:bodyPr wrap="square" rtlCol="0">
+            <a:spAutoFit/>
+          </a:bodyPr>
+          <a:lstStyle/>
+          <a:p>
+            <a:r>
+              <a:rPr lang="en-US" sz="2400" dirty="0"/>
+              <a:t>,  </a:t>
+            </a:r>
+            <a:r>
+              <a:rPr lang="en-US" sz="2400" b="1" dirty="0">
+                <a:solidFill>
+                  <a:schemeClr val="accent1"/>
+                </a:solidFill>
+              </a:rPr>
+              <a:t>Chronicle</a:t>
+            </a:r>
+          </a:p>
+        </p:txBody>
+      </p:sp>
+      <p:pic>
+        <p:nvPicPr>
+          <p:cNvPr id="6" name="Picture 8" descr="CITI 1, download CITI 1 :: Vector Logos, Brand logo, Company logo">
+            <a:extLst>
+              <a:ext uri="{FF2B5EF4-FFF2-40B4-BE49-F238E27FC236}">
+                <a16:creationId xmlns:a16="http://schemas.microsoft.com/office/drawing/2014/main" id="{B72105F1-9FD9-4B44-945B-C117DB9BEEBA}"/>
               </a:ext>
             </a:extLst>
           </p:cNvPr>
@@ -3716,7 +3747,7 @@
           <p:nvPr/>
         </p:nvPicPr>
         <p:blipFill>
-          <a:blip r:embed="rId2">
+          <a:blip r:embed="rId3">
             <a:extLst>
               <a:ext uri="{28A0092B-C50C-407E-A947-70E740481C1C}">
                 <a14:useLocalDpi xmlns:a14="http://schemas.microsoft.com/office/drawing/2010/main" val="0"/>
@@ -3730,8 +3761,8 @@
         </p:blipFill>
         <p:spPr bwMode="auto">
           <a:xfrm>
-            <a:off x="5337627" y="1553028"/>
-            <a:ext cx="1036411" cy="1036411"/>
+            <a:off x="11291873" y="6060849"/>
+            <a:ext cx="674462" cy="674462"/>
           </a:xfrm>
           <a:prstGeom prst="rect">
             <a:avLst/>
@@ -3750,10 +3781,10 @@
       </p:pic>
       <p:sp>
         <p:nvSpPr>
-          <p:cNvPr id="5" name="TextBox 4">
-            <a:extLst>
-              <a:ext uri="{FF2B5EF4-FFF2-40B4-BE49-F238E27FC236}">
-                <a16:creationId xmlns:a16="http://schemas.microsoft.com/office/drawing/2014/main" id="{83FC2C91-2105-4D57-839A-C40DF336FA69}"/>
+          <p:cNvPr id="7" name="TextBox 6">
+            <a:extLst>
+              <a:ext uri="{FF2B5EF4-FFF2-40B4-BE49-F238E27FC236}">
+                <a16:creationId xmlns:a16="http://schemas.microsoft.com/office/drawing/2014/main" id="{4A9F37CF-8483-4032-81FB-7F2B0B3CFED4}"/>
               </a:ext>
             </a:extLst>
           </p:cNvPr>
@@ -3762,8 +3793,8 @@
         </p:nvSpPr>
         <p:spPr>
           <a:xfrm>
-            <a:off x="4971143" y="2582334"/>
-            <a:ext cx="2249714" cy="369332"/>
+            <a:off x="638629" y="6060849"/>
+            <a:ext cx="10421257" cy="369332"/>
           </a:xfrm>
           <a:prstGeom prst="rect">
             <a:avLst/>
@@ -3777,1466 +3808,24 @@
           <a:lstStyle/>
           <a:p>
             <a:r>
-              <a:rPr lang="en-US" b="1" i="1" dirty="0" err="1">
-                <a:solidFill>
-                  <a:schemeClr val="tx2"/>
-                </a:solidFill>
-              </a:rPr>
-              <a:t>ChronicleMap</a:t>
-            </a:r>
-            <a:r>
-              <a:rPr lang="en-US" b="1" i="1" dirty="0">
-                <a:solidFill>
-                  <a:schemeClr val="tx2"/>
-                </a:solidFill>
-              </a:rPr>
-              <a:t>&lt;K,V&gt;</a:t>
-            </a:r>
-          </a:p>
-        </p:txBody>
-      </p:sp>
-      <p:pic>
-        <p:nvPicPr>
-          <p:cNvPr id="6" name="Picture 5" descr="A close up of a logo&#10;&#10;Description automatically generated">
-            <a:extLst>
-              <a:ext uri="{FF2B5EF4-FFF2-40B4-BE49-F238E27FC236}">
-                <a16:creationId xmlns:a16="http://schemas.microsoft.com/office/drawing/2014/main" id="{087A7BD2-ADBE-4D72-A9AA-D019096AF207}"/>
-              </a:ext>
-            </a:extLst>
-          </p:cNvPr>
-          <p:cNvPicPr>
-            <a:picLocks noChangeAspect="1"/>
-          </p:cNvPicPr>
-          <p:nvPr/>
-        </p:nvPicPr>
-        <p:blipFill>
-          <a:blip r:embed="rId3">
-            <a:extLst>
-              <a:ext uri="{28A0092B-C50C-407E-A947-70E740481C1C}">
-                <a14:useLocalDpi xmlns:a14="http://schemas.microsoft.com/office/drawing/2010/main" val="0"/>
-              </a:ext>
-            </a:extLst>
-          </a:blip>
-          <a:stretch>
-            <a:fillRect/>
-          </a:stretch>
-        </p:blipFill>
-        <p:spPr>
-          <a:xfrm>
-            <a:off x="6939208" y="2803032"/>
-            <a:ext cx="667683" cy="778852"/>
-          </a:xfrm>
-          <a:prstGeom prst="rect">
-            <a:avLst/>
-          </a:prstGeom>
-        </p:spPr>
-      </p:pic>
-      <p:sp>
-        <p:nvSpPr>
-          <p:cNvPr id="7" name="TextBox 6">
-            <a:extLst>
-              <a:ext uri="{FF2B5EF4-FFF2-40B4-BE49-F238E27FC236}">
-                <a16:creationId xmlns:a16="http://schemas.microsoft.com/office/drawing/2014/main" id="{C8116288-688E-429D-946D-D621C1B6D93F}"/>
-              </a:ext>
-            </a:extLst>
-          </p:cNvPr>
-          <p:cNvSpPr txBox="1"/>
-          <p:nvPr/>
-        </p:nvSpPr>
-        <p:spPr>
-          <a:xfrm>
-            <a:off x="4142037" y="3120684"/>
-            <a:ext cx="2865208" cy="646331"/>
-          </a:xfrm>
-          <a:prstGeom prst="rect">
-            <a:avLst/>
-          </a:prstGeom>
-          <a:noFill/>
-        </p:spPr>
-        <p:txBody>
-          <a:bodyPr wrap="none" rtlCol="0">
-            <a:spAutoFit/>
-          </a:bodyPr>
-          <a:lstStyle/>
-          <a:p>
-            <a:r>
-              <a:rPr lang="en-US" b="1" dirty="0"/>
-              <a:t>/dev/</a:t>
-            </a:r>
-            <a:r>
-              <a:rPr lang="en-US" b="1" dirty="0" err="1"/>
-              <a:t>shm</a:t>
-            </a:r>
-            <a:r>
-              <a:rPr lang="en-US" b="1" dirty="0"/>
-              <a:t>/</a:t>
-            </a:r>
-            <a:r>
-              <a:rPr lang="en-US" b="1" dirty="0" err="1"/>
-              <a:t>BondVOInterface</a:t>
-            </a:r>
-            <a:endParaRPr lang="en-US" b="1" dirty="0"/>
-          </a:p>
-          <a:p>
-            <a:endParaRPr lang="en-US" b="1" dirty="0"/>
-          </a:p>
-        </p:txBody>
-      </p:sp>
-      <p:pic>
-        <p:nvPicPr>
-          <p:cNvPr id="8" name="Picture 4" descr="Image result for java duke">
-            <a:extLst>
-              <a:ext uri="{FF2B5EF4-FFF2-40B4-BE49-F238E27FC236}">
-                <a16:creationId xmlns:a16="http://schemas.microsoft.com/office/drawing/2014/main" id="{D7532428-2F6C-4FBC-AE4E-49275F9863D2}"/>
-              </a:ext>
-            </a:extLst>
-          </p:cNvPr>
-          <p:cNvPicPr>
-            <a:picLocks noChangeAspect="1" noChangeArrowheads="1"/>
-          </p:cNvPicPr>
-          <p:nvPr/>
-        </p:nvPicPr>
-        <p:blipFill>
-          <a:blip r:embed="rId4">
-            <a:extLst>
-              <a:ext uri="{28A0092B-C50C-407E-A947-70E740481C1C}">
-                <a14:useLocalDpi xmlns:a14="http://schemas.microsoft.com/office/drawing/2010/main" val="0"/>
-              </a:ext>
-            </a:extLst>
-          </a:blip>
-          <a:srcRect/>
-          <a:stretch>
-            <a:fillRect/>
-          </a:stretch>
-        </p:blipFill>
-        <p:spPr bwMode="auto">
-          <a:xfrm>
-            <a:off x="9753599" y="3429000"/>
-            <a:ext cx="1490663" cy="1490663"/>
-          </a:xfrm>
-          <a:prstGeom prst="rect">
-            <a:avLst/>
-          </a:prstGeom>
-          <a:noFill/>
-          <a:extLst>
-            <a:ext uri="{909E8E84-426E-40DD-AFC4-6F175D3DCCD1}">
-              <a14:hiddenFill xmlns:a14="http://schemas.microsoft.com/office/drawing/2010/main">
-                <a:solidFill>
-                  <a:srgbClr val="FFFFFF"/>
-                </a:solidFill>
-              </a14:hiddenFill>
-            </a:ext>
-          </a:extLst>
-        </p:spPr>
-      </p:pic>
-      <p:pic>
-        <p:nvPicPr>
-          <p:cNvPr id="9" name="Picture 8" descr="A close up of a sign&#10;&#10;Description automatically generated">
-            <a:extLst>
-              <a:ext uri="{FF2B5EF4-FFF2-40B4-BE49-F238E27FC236}">
-                <a16:creationId xmlns:a16="http://schemas.microsoft.com/office/drawing/2014/main" id="{E88E5C3D-DCCF-498C-9A54-351164F5993A}"/>
-              </a:ext>
-            </a:extLst>
-          </p:cNvPr>
-          <p:cNvPicPr>
-            <a:picLocks noChangeAspect="1"/>
-          </p:cNvPicPr>
-          <p:nvPr/>
-        </p:nvPicPr>
-        <p:blipFill>
-          <a:blip r:embed="rId5">
-            <a:extLst>
-              <a:ext uri="{28A0092B-C50C-407E-A947-70E740481C1C}">
-                <a14:useLocalDpi xmlns:a14="http://schemas.microsoft.com/office/drawing/2010/main" val="0"/>
-              </a:ext>
-            </a:extLst>
-          </a:blip>
-          <a:stretch>
-            <a:fillRect/>
-          </a:stretch>
-        </p:blipFill>
-        <p:spPr>
-          <a:xfrm>
-            <a:off x="9753599" y="2805892"/>
-            <a:ext cx="1640873" cy="613279"/>
-          </a:xfrm>
-          <a:prstGeom prst="rect">
-            <a:avLst/>
-          </a:prstGeom>
-        </p:spPr>
-      </p:pic>
-      <p:pic>
-        <p:nvPicPr>
-          <p:cNvPr id="10" name="Picture 9" descr="A picture containing drawing, knife, light&#10;&#10;Description automatically generated">
-            <a:extLst>
-              <a:ext uri="{FF2B5EF4-FFF2-40B4-BE49-F238E27FC236}">
-                <a16:creationId xmlns:a16="http://schemas.microsoft.com/office/drawing/2014/main" id="{5B84DB90-B40F-476D-A416-A34FB5DDBC1B}"/>
-              </a:ext>
-            </a:extLst>
-          </p:cNvPr>
-          <p:cNvPicPr>
-            <a:picLocks noChangeAspect="1"/>
-          </p:cNvPicPr>
-          <p:nvPr/>
-        </p:nvPicPr>
-        <p:blipFill>
-          <a:blip r:embed="rId6">
-            <a:extLst>
-              <a:ext uri="{28A0092B-C50C-407E-A947-70E740481C1C}">
-                <a14:useLocalDpi xmlns:a14="http://schemas.microsoft.com/office/drawing/2010/main" val="0"/>
-              </a:ext>
-            </a:extLst>
-          </a:blip>
-          <a:stretch>
-            <a:fillRect/>
-          </a:stretch>
-        </p:blipFill>
-        <p:spPr>
-          <a:xfrm>
-            <a:off x="8653245" y="162851"/>
-            <a:ext cx="438056" cy="613279"/>
-          </a:xfrm>
-          <a:prstGeom prst="rect">
-            <a:avLst/>
-          </a:prstGeom>
-        </p:spPr>
-      </p:pic>
-      <p:sp>
-        <p:nvSpPr>
-          <p:cNvPr id="11" name="TextBox 10">
-            <a:extLst>
-              <a:ext uri="{FF2B5EF4-FFF2-40B4-BE49-F238E27FC236}">
-                <a16:creationId xmlns:a16="http://schemas.microsoft.com/office/drawing/2014/main" id="{CCF34D4C-0DBA-4A89-B8EF-5887E27704AC}"/>
-              </a:ext>
-            </a:extLst>
-          </p:cNvPr>
-          <p:cNvSpPr txBox="1"/>
-          <p:nvPr/>
-        </p:nvSpPr>
-        <p:spPr>
-          <a:xfrm>
-            <a:off x="10358511" y="4734997"/>
-            <a:ext cx="1771501" cy="369332"/>
-          </a:xfrm>
-          <a:prstGeom prst="rect">
-            <a:avLst/>
-          </a:prstGeom>
-          <a:noFill/>
-        </p:spPr>
-        <p:txBody>
-          <a:bodyPr wrap="square" rtlCol="0">
-            <a:spAutoFit/>
-          </a:bodyPr>
-          <a:lstStyle/>
-          <a:p>
-            <a:r>
               <a:rPr lang="en-US" dirty="0"/>
-              <a:t>JVM </a:t>
+              <a:t>In it </a:t>
+            </a:r>
+            <a:r>
+              <a:rPr lang="en-US" i="1" dirty="0" err="1"/>
+              <a:t>BasEc</a:t>
+            </a:r>
+            <a:r>
+              <a:rPr lang="en-US" dirty="0"/>
+              <a:t> join point CAP, Chronicle renders consistency via traditional protocols (e.g. Gossip, </a:t>
             </a:r>
             <a:r>
               <a:rPr lang="en-US" dirty="0" err="1"/>
-              <a:t>pid</a:t>
+              <a:t>HeartBeat</a:t>
             </a:r>
             <a:r>
               <a:rPr lang="en-US" dirty="0"/>
-              <a:t> 1</a:t>
-            </a:r>
-          </a:p>
-        </p:txBody>
-      </p:sp>
-      <p:pic>
-        <p:nvPicPr>
-          <p:cNvPr id="12" name="Picture 4" descr="Image result for java duke">
-            <a:extLst>
-              <a:ext uri="{FF2B5EF4-FFF2-40B4-BE49-F238E27FC236}">
-                <a16:creationId xmlns:a16="http://schemas.microsoft.com/office/drawing/2014/main" id="{86A6E234-880F-4BEB-AEB4-170047133129}"/>
-              </a:ext>
-            </a:extLst>
-          </p:cNvPr>
-          <p:cNvPicPr>
-            <a:picLocks noChangeAspect="1" noChangeArrowheads="1"/>
-          </p:cNvPicPr>
-          <p:nvPr/>
-        </p:nvPicPr>
-        <p:blipFill>
-          <a:blip r:embed="rId4">
-            <a:extLst>
-              <a:ext uri="{28A0092B-C50C-407E-A947-70E740481C1C}">
-                <a14:useLocalDpi xmlns:a14="http://schemas.microsoft.com/office/drawing/2010/main" val="0"/>
-              </a:ext>
-            </a:extLst>
-          </a:blip>
-          <a:srcRect/>
-          <a:stretch>
-            <a:fillRect/>
-          </a:stretch>
-        </p:blipFill>
-        <p:spPr bwMode="auto">
-          <a:xfrm>
-            <a:off x="568069" y="3520785"/>
-            <a:ext cx="1490663" cy="1490663"/>
-          </a:xfrm>
-          <a:prstGeom prst="rect">
-            <a:avLst/>
-          </a:prstGeom>
-          <a:noFill/>
-          <a:extLst>
-            <a:ext uri="{909E8E84-426E-40DD-AFC4-6F175D3DCCD1}">
-              <a14:hiddenFill xmlns:a14="http://schemas.microsoft.com/office/drawing/2010/main">
-                <a:solidFill>
-                  <a:srgbClr val="FFFFFF"/>
-                </a:solidFill>
-              </a14:hiddenFill>
-            </a:ext>
-          </a:extLst>
-        </p:spPr>
-      </p:pic>
-      <p:pic>
-        <p:nvPicPr>
-          <p:cNvPr id="13" name="Picture 12" descr="A close up of a sign&#10;&#10;Description automatically generated">
-            <a:extLst>
-              <a:ext uri="{FF2B5EF4-FFF2-40B4-BE49-F238E27FC236}">
-                <a16:creationId xmlns:a16="http://schemas.microsoft.com/office/drawing/2014/main" id="{2B99A050-F8C0-4994-842C-733E52992FA0}"/>
-              </a:ext>
-            </a:extLst>
-          </p:cNvPr>
-          <p:cNvPicPr>
-            <a:picLocks noChangeAspect="1"/>
-          </p:cNvPicPr>
-          <p:nvPr/>
-        </p:nvPicPr>
-        <p:blipFill>
-          <a:blip r:embed="rId5">
-            <a:extLst>
-              <a:ext uri="{28A0092B-C50C-407E-A947-70E740481C1C}">
-                <a14:useLocalDpi xmlns:a14="http://schemas.microsoft.com/office/drawing/2010/main" val="0"/>
-              </a:ext>
-            </a:extLst>
-          </a:blip>
-          <a:stretch>
-            <a:fillRect/>
-          </a:stretch>
-        </p:blipFill>
-        <p:spPr>
-          <a:xfrm>
-            <a:off x="568069" y="2897677"/>
-            <a:ext cx="1640873" cy="613279"/>
-          </a:xfrm>
-          <a:prstGeom prst="rect">
-            <a:avLst/>
-          </a:prstGeom>
-        </p:spPr>
-      </p:pic>
-      <p:sp>
-        <p:nvSpPr>
-          <p:cNvPr id="14" name="TextBox 13">
-            <a:extLst>
-              <a:ext uri="{FF2B5EF4-FFF2-40B4-BE49-F238E27FC236}">
-                <a16:creationId xmlns:a16="http://schemas.microsoft.com/office/drawing/2014/main" id="{0DFE0FD0-37B1-4783-BFCF-5D110AEBBB61}"/>
-              </a:ext>
-            </a:extLst>
-          </p:cNvPr>
-          <p:cNvSpPr txBox="1"/>
-          <p:nvPr/>
-        </p:nvSpPr>
-        <p:spPr>
-          <a:xfrm>
-            <a:off x="1043880" y="4836611"/>
-            <a:ext cx="1771501" cy="369332"/>
-          </a:xfrm>
-          <a:prstGeom prst="rect">
-            <a:avLst/>
-          </a:prstGeom>
-          <a:noFill/>
-        </p:spPr>
-        <p:txBody>
-          <a:bodyPr wrap="square" rtlCol="0">
-            <a:spAutoFit/>
-          </a:bodyPr>
-          <a:lstStyle/>
-          <a:p>
-            <a:r>
-              <a:rPr lang="en-US" dirty="0"/>
-              <a:t>JVM </a:t>
-            </a:r>
-            <a:r>
-              <a:rPr lang="en-US" dirty="0" err="1"/>
-              <a:t>pid</a:t>
-            </a:r>
-            <a:r>
-              <a:rPr lang="en-US" dirty="0"/>
-              <a:t> 2</a:t>
-            </a:r>
-          </a:p>
-        </p:txBody>
-      </p:sp>
-      <p:pic>
-        <p:nvPicPr>
-          <p:cNvPr id="15" name="Picture 14" descr="A picture containing drawing, knife, light&#10;&#10;Description automatically generated">
-            <a:extLst>
-              <a:ext uri="{FF2B5EF4-FFF2-40B4-BE49-F238E27FC236}">
-                <a16:creationId xmlns:a16="http://schemas.microsoft.com/office/drawing/2014/main" id="{09ED1BE9-2658-44F7-B763-DA75AAB5DC17}"/>
-              </a:ext>
-            </a:extLst>
-          </p:cNvPr>
-          <p:cNvPicPr>
-            <a:picLocks noChangeAspect="1"/>
-          </p:cNvPicPr>
-          <p:nvPr/>
-        </p:nvPicPr>
-        <p:blipFill>
-          <a:blip r:embed="rId6">
-            <a:extLst>
-              <a:ext uri="{28A0092B-C50C-407E-A947-70E740481C1C}">
-                <a14:useLocalDpi xmlns:a14="http://schemas.microsoft.com/office/drawing/2010/main" val="0"/>
-              </a:ext>
-            </a:extLst>
-          </a:blip>
-          <a:stretch>
-            <a:fillRect/>
-          </a:stretch>
-        </p:blipFill>
-        <p:spPr>
-          <a:xfrm>
-            <a:off x="1929631" y="184602"/>
-            <a:ext cx="438056" cy="613279"/>
-          </a:xfrm>
-          <a:prstGeom prst="rect">
-            <a:avLst/>
-          </a:prstGeom>
-        </p:spPr>
-      </p:pic>
-      <p:pic>
-        <p:nvPicPr>
-          <p:cNvPr id="16" name="Picture 6" descr="Image result for java duke">
-            <a:extLst>
-              <a:ext uri="{FF2B5EF4-FFF2-40B4-BE49-F238E27FC236}">
-                <a16:creationId xmlns:a16="http://schemas.microsoft.com/office/drawing/2014/main" id="{9FB3877E-3D50-42E8-8117-2C98F16037D5}"/>
-              </a:ext>
-            </a:extLst>
-          </p:cNvPr>
-          <p:cNvPicPr>
-            <a:picLocks noChangeAspect="1" noChangeArrowheads="1"/>
-          </p:cNvPicPr>
-          <p:nvPr/>
-        </p:nvPicPr>
-        <p:blipFill>
-          <a:blip r:embed="rId7">
-            <a:extLst>
-              <a:ext uri="{28A0092B-C50C-407E-A947-70E740481C1C}">
-                <a14:useLocalDpi xmlns:a14="http://schemas.microsoft.com/office/drawing/2010/main" val="0"/>
-              </a:ext>
-            </a:extLst>
-          </a:blip>
-          <a:srcRect/>
-          <a:stretch>
-            <a:fillRect/>
-          </a:stretch>
-        </p:blipFill>
-        <p:spPr bwMode="auto">
-          <a:xfrm>
-            <a:off x="4061914" y="537683"/>
-            <a:ext cx="782508" cy="646330"/>
-          </a:xfrm>
-          <a:prstGeom prst="rect">
-            <a:avLst/>
-          </a:prstGeom>
-          <a:noFill/>
-          <a:extLst>
-            <a:ext uri="{909E8E84-426E-40DD-AFC4-6F175D3DCCD1}">
-              <a14:hiddenFill xmlns:a14="http://schemas.microsoft.com/office/drawing/2010/main">
-                <a:solidFill>
-                  <a:srgbClr val="FFFFFF"/>
-                </a:solidFill>
-              </a14:hiddenFill>
-            </a:ext>
-          </a:extLst>
-        </p:spPr>
-      </p:pic>
-      <p:pic>
-        <p:nvPicPr>
-          <p:cNvPr id="17" name="Picture 16" descr="A picture containing drawing, knife, light&#10;&#10;Description automatically generated">
-            <a:extLst>
-              <a:ext uri="{FF2B5EF4-FFF2-40B4-BE49-F238E27FC236}">
-                <a16:creationId xmlns:a16="http://schemas.microsoft.com/office/drawing/2014/main" id="{6693DA3F-954F-4A27-B172-EE3189F1FD93}"/>
-              </a:ext>
-            </a:extLst>
-          </p:cNvPr>
-          <p:cNvPicPr>
-            <a:picLocks noChangeAspect="1"/>
-          </p:cNvPicPr>
-          <p:nvPr/>
-        </p:nvPicPr>
-        <p:blipFill>
-          <a:blip r:embed="rId6">
-            <a:extLst>
-              <a:ext uri="{28A0092B-C50C-407E-A947-70E740481C1C}">
-                <a14:useLocalDpi xmlns:a14="http://schemas.microsoft.com/office/drawing/2010/main" val="0"/>
-              </a:ext>
-            </a:extLst>
-          </a:blip>
-          <a:stretch>
-            <a:fillRect/>
-          </a:stretch>
-        </p:blipFill>
-        <p:spPr>
-          <a:xfrm>
-            <a:off x="5679197" y="4582835"/>
-            <a:ext cx="438056" cy="613279"/>
-          </a:xfrm>
-          <a:prstGeom prst="rect">
-            <a:avLst/>
-          </a:prstGeom>
-        </p:spPr>
-      </p:pic>
-      <p:pic>
-        <p:nvPicPr>
-          <p:cNvPr id="18" name="Picture 8" descr="CITI 1, download CITI 1 :: Vector Logos, Brand logo, Company logo">
-            <a:extLst>
-              <a:ext uri="{FF2B5EF4-FFF2-40B4-BE49-F238E27FC236}">
-                <a16:creationId xmlns:a16="http://schemas.microsoft.com/office/drawing/2014/main" id="{F67BFD64-D710-4759-91CF-F8EFFCDD0663}"/>
-              </a:ext>
-            </a:extLst>
-          </p:cNvPr>
-          <p:cNvPicPr>
-            <a:picLocks noChangeAspect="1" noChangeArrowheads="1"/>
-          </p:cNvPicPr>
-          <p:nvPr/>
-        </p:nvPicPr>
-        <p:blipFill>
-          <a:blip r:embed="rId8">
-            <a:extLst>
-              <a:ext uri="{28A0092B-C50C-407E-A947-70E740481C1C}">
-                <a14:useLocalDpi xmlns:a14="http://schemas.microsoft.com/office/drawing/2010/main" val="0"/>
-              </a:ext>
-            </a:extLst>
-          </a:blip>
-          <a:srcRect/>
-          <a:stretch>
-            <a:fillRect/>
-          </a:stretch>
-        </p:blipFill>
-        <p:spPr bwMode="auto">
-          <a:xfrm>
-            <a:off x="11244262" y="6203737"/>
-            <a:ext cx="674462" cy="674462"/>
-          </a:xfrm>
-          <a:prstGeom prst="rect">
-            <a:avLst/>
-          </a:prstGeom>
-          <a:noFill/>
-          <a:extLst>
-            <a:ext uri="{909E8E84-426E-40DD-AFC4-6F175D3DCCD1}">
-              <a14:hiddenFill xmlns:a14="http://schemas.microsoft.com/office/drawing/2010/main">
-                <a:solidFill>
-                  <a:srgbClr val="FFFFFF"/>
-                </a:solidFill>
-              </a14:hiddenFill>
-            </a:ext>
-          </a:extLst>
-        </p:spPr>
-      </p:pic>
-      <p:cxnSp>
-        <p:nvCxnSpPr>
-          <p:cNvPr id="19" name="Connector: Elbow 18">
-            <a:extLst>
-              <a:ext uri="{FF2B5EF4-FFF2-40B4-BE49-F238E27FC236}">
-                <a16:creationId xmlns:a16="http://schemas.microsoft.com/office/drawing/2014/main" id="{7673559E-98DE-403D-B195-AC726D373B35}"/>
-              </a:ext>
-            </a:extLst>
-          </p:cNvPr>
-          <p:cNvCxnSpPr>
-            <a:stCxn id="8" idx="1"/>
-            <a:endCxn id="17" idx="3"/>
-          </p:cNvCxnSpPr>
-          <p:nvPr/>
-        </p:nvCxnSpPr>
-        <p:spPr>
-          <a:xfrm rot="10800000" flipV="1">
-            <a:off x="6117253" y="4174331"/>
-            <a:ext cx="3636346" cy="715143"/>
-          </a:xfrm>
-          <a:prstGeom prst="bentConnector3">
-            <a:avLst/>
-          </a:prstGeom>
-          <a:ln>
-            <a:tailEnd type="triangle"/>
-          </a:ln>
-        </p:spPr>
-        <p:style>
-          <a:lnRef idx="1">
-            <a:schemeClr val="accent1"/>
-          </a:lnRef>
-          <a:fillRef idx="0">
-            <a:schemeClr val="accent1"/>
-          </a:fillRef>
-          <a:effectRef idx="0">
-            <a:schemeClr val="accent1"/>
-          </a:effectRef>
-          <a:fontRef idx="minor">
-            <a:schemeClr val="tx1"/>
-          </a:fontRef>
-        </p:style>
-      </p:cxnSp>
-      <p:cxnSp>
-        <p:nvCxnSpPr>
-          <p:cNvPr id="20" name="Connector: Elbow 19">
-            <a:extLst>
-              <a:ext uri="{FF2B5EF4-FFF2-40B4-BE49-F238E27FC236}">
-                <a16:creationId xmlns:a16="http://schemas.microsoft.com/office/drawing/2014/main" id="{CF95E7C9-D621-45C8-9F77-E4DDD6DBD748}"/>
-              </a:ext>
-            </a:extLst>
-          </p:cNvPr>
-          <p:cNvCxnSpPr>
-            <a:cxnSpLocks/>
-            <a:stCxn id="12" idx="3"/>
-            <a:endCxn id="17" idx="1"/>
-          </p:cNvCxnSpPr>
-          <p:nvPr/>
-        </p:nvCxnSpPr>
-        <p:spPr>
-          <a:xfrm>
-            <a:off x="2058732" y="4266117"/>
-            <a:ext cx="3620465" cy="623358"/>
-          </a:xfrm>
-          <a:prstGeom prst="bentConnector3">
-            <a:avLst>
-              <a:gd name="adj1" fmla="val 50000"/>
-            </a:avLst>
-          </a:prstGeom>
-          <a:ln>
-            <a:tailEnd type="triangle"/>
-          </a:ln>
-        </p:spPr>
-        <p:style>
-          <a:lnRef idx="1">
-            <a:schemeClr val="accent1"/>
-          </a:lnRef>
-          <a:fillRef idx="0">
-            <a:schemeClr val="accent1"/>
-          </a:fillRef>
-          <a:effectRef idx="0">
-            <a:schemeClr val="accent1"/>
-          </a:effectRef>
-          <a:fontRef idx="minor">
-            <a:schemeClr val="tx1"/>
-          </a:fontRef>
-        </p:style>
-      </p:cxnSp>
-      <p:sp>
-        <p:nvSpPr>
-          <p:cNvPr id="21" name="TextBox 20">
-            <a:extLst>
-              <a:ext uri="{FF2B5EF4-FFF2-40B4-BE49-F238E27FC236}">
-                <a16:creationId xmlns:a16="http://schemas.microsoft.com/office/drawing/2014/main" id="{4582F302-F1BE-4B78-AC5C-D8033832FEF0}"/>
-              </a:ext>
-            </a:extLst>
-          </p:cNvPr>
-          <p:cNvSpPr txBox="1"/>
-          <p:nvPr/>
-        </p:nvSpPr>
-        <p:spPr>
-          <a:xfrm>
-            <a:off x="2826229" y="4347237"/>
-            <a:ext cx="940799" cy="369332"/>
-          </a:xfrm>
-          <a:prstGeom prst="rect">
-            <a:avLst/>
-          </a:prstGeom>
-          <a:noFill/>
-        </p:spPr>
-        <p:txBody>
-          <a:bodyPr wrap="square" rtlCol="0">
-            <a:spAutoFit/>
-          </a:bodyPr>
-          <a:lstStyle/>
-          <a:p>
-            <a:r>
-              <a:rPr lang="en-US" dirty="0"/>
-              <a:t>@t=0</a:t>
-            </a:r>
-          </a:p>
-        </p:txBody>
-      </p:sp>
-      <p:sp>
-        <p:nvSpPr>
-          <p:cNvPr id="22" name="TextBox 21">
-            <a:extLst>
-              <a:ext uri="{FF2B5EF4-FFF2-40B4-BE49-F238E27FC236}">
-                <a16:creationId xmlns:a16="http://schemas.microsoft.com/office/drawing/2014/main" id="{870CA1E2-7F79-495D-9F34-216D237E8494}"/>
-              </a:ext>
-            </a:extLst>
-          </p:cNvPr>
-          <p:cNvSpPr txBox="1"/>
-          <p:nvPr/>
-        </p:nvSpPr>
-        <p:spPr>
-          <a:xfrm>
-            <a:off x="8593772" y="4347237"/>
-            <a:ext cx="940799" cy="369332"/>
-          </a:xfrm>
-          <a:prstGeom prst="rect">
-            <a:avLst/>
-          </a:prstGeom>
-          <a:noFill/>
-        </p:spPr>
-        <p:txBody>
-          <a:bodyPr wrap="square" rtlCol="0">
-            <a:spAutoFit/>
-          </a:bodyPr>
-          <a:lstStyle/>
-          <a:p>
-            <a:r>
-              <a:rPr lang="en-US" dirty="0"/>
-              <a:t>@t=0</a:t>
-            </a:r>
-          </a:p>
-        </p:txBody>
-      </p:sp>
-      <p:sp>
-        <p:nvSpPr>
-          <p:cNvPr id="23" name="TextBox 22">
-            <a:extLst>
-              <a:ext uri="{FF2B5EF4-FFF2-40B4-BE49-F238E27FC236}">
-                <a16:creationId xmlns:a16="http://schemas.microsoft.com/office/drawing/2014/main" id="{75A22BA8-E451-449D-AB0F-726AA4F9616F}"/>
-              </a:ext>
-            </a:extLst>
-          </p:cNvPr>
-          <p:cNvSpPr txBox="1"/>
-          <p:nvPr/>
-        </p:nvSpPr>
-        <p:spPr>
-          <a:xfrm>
-            <a:off x="3468146" y="5417924"/>
-            <a:ext cx="7152771" cy="1200329"/>
-          </a:xfrm>
-          <a:prstGeom prst="rect">
-            <a:avLst/>
-          </a:prstGeom>
-          <a:noFill/>
-        </p:spPr>
-        <p:txBody>
-          <a:bodyPr wrap="square">
-            <a:spAutoFit/>
-          </a:bodyPr>
-          <a:lstStyle/>
-          <a:p>
-            <a:r>
-              <a:rPr lang="en-US" dirty="0"/>
-              <a:t> </a:t>
-            </a:r>
-            <a:r>
-              <a:rPr lang="en-US" dirty="0" err="1"/>
-              <a:t>ChronicleMap</a:t>
-            </a:r>
-            <a:r>
-              <a:rPr lang="en-US" dirty="0"/>
-              <a:t>&lt;String, </a:t>
-            </a:r>
-            <a:r>
-              <a:rPr lang="en-US" dirty="0" err="1"/>
-              <a:t>BondVOInterface</a:t>
-            </a:r>
-            <a:r>
-              <a:rPr lang="en-US" dirty="0"/>
-              <a:t>&gt; chm =</a:t>
-            </a:r>
-          </a:p>
-          <a:p>
-            <a:r>
-              <a:rPr lang="en-US" dirty="0"/>
-              <a:t>                   </a:t>
-            </a:r>
-            <a:r>
-              <a:rPr lang="en-US" dirty="0" err="1"/>
-              <a:t>ChroinicleMapBuilder</a:t>
-            </a:r>
-            <a:r>
-              <a:rPr lang="en-US" dirty="0"/>
-              <a:t>…</a:t>
-            </a:r>
-            <a:r>
-              <a:rPr lang="en-US" i="1" dirty="0" err="1"/>
-              <a:t>createPersistedTo</a:t>
-            </a:r>
-            <a:r>
-              <a:rPr lang="en-US" dirty="0"/>
-              <a:t>(</a:t>
-            </a:r>
-          </a:p>
-          <a:p>
-            <a:r>
-              <a:rPr lang="en-US" dirty="0"/>
-              <a:t>                          “/dev/</a:t>
-            </a:r>
-            <a:r>
-              <a:rPr lang="en-US" dirty="0" err="1"/>
-              <a:t>shm</a:t>
-            </a:r>
-            <a:r>
-              <a:rPr lang="en-US" dirty="0"/>
-              <a:t>/</a:t>
-            </a:r>
-            <a:r>
-              <a:rPr lang="en-US" dirty="0" err="1"/>
-              <a:t>BondVOInterface</a:t>
-            </a:r>
-            <a:r>
-              <a:rPr lang="en-US" dirty="0"/>
-              <a:t>"</a:t>
-            </a:r>
-          </a:p>
-          <a:p>
-            <a:r>
-              <a:rPr lang="en-US" dirty="0"/>
-              <a:t>                );</a:t>
-            </a:r>
-          </a:p>
-        </p:txBody>
-      </p:sp>
-      <p:sp>
-        <p:nvSpPr>
-          <p:cNvPr id="24" name="TextBox 23">
-            <a:extLst>
-              <a:ext uri="{FF2B5EF4-FFF2-40B4-BE49-F238E27FC236}">
-                <a16:creationId xmlns:a16="http://schemas.microsoft.com/office/drawing/2014/main" id="{3F0F1908-1AAB-44F1-9D83-C7215D688300}"/>
-              </a:ext>
-            </a:extLst>
-          </p:cNvPr>
-          <p:cNvSpPr txBox="1"/>
-          <p:nvPr/>
-        </p:nvSpPr>
-        <p:spPr>
-          <a:xfrm>
-            <a:off x="3971078" y="3344599"/>
-            <a:ext cx="4412269" cy="646331"/>
-          </a:xfrm>
-          <a:prstGeom prst="rect">
-            <a:avLst/>
-          </a:prstGeom>
-          <a:noFill/>
-        </p:spPr>
-        <p:txBody>
-          <a:bodyPr wrap="square" rtlCol="0">
-            <a:spAutoFit/>
-          </a:bodyPr>
-          <a:lstStyle/>
-          <a:p>
-            <a:r>
-              <a:rPr lang="en-US" dirty="0"/>
-              <a:t>@ </a:t>
-            </a:r>
-            <a:r>
-              <a:rPr lang="en-US" dirty="0">
-                <a:hlinkClick r:id="rId9"/>
-              </a:rPr>
-              <a:t>www.xsede.org</a:t>
-            </a:r>
-            <a:endParaRPr lang="en-US" dirty="0"/>
-          </a:p>
-          <a:p>
-            <a:r>
-              <a:rPr lang="en-US" dirty="0"/>
-              <a:t>Via </a:t>
-            </a:r>
-            <a:r>
-              <a:rPr lang="en-US" dirty="0">
-                <a:hlinkClick r:id="rId10"/>
-              </a:rPr>
-              <a:t>https://jira.ncsa.illinois.edu/projects/DA/</a:t>
-            </a:r>
-            <a:endParaRPr lang="en-US" dirty="0"/>
-          </a:p>
-        </p:txBody>
-      </p:sp>
-      <p:cxnSp>
-        <p:nvCxnSpPr>
-          <p:cNvPr id="25" name="Connector: Elbow 24">
-            <a:extLst>
-              <a:ext uri="{FF2B5EF4-FFF2-40B4-BE49-F238E27FC236}">
-                <a16:creationId xmlns:a16="http://schemas.microsoft.com/office/drawing/2014/main" id="{B1BFB14C-2666-49BA-907B-D88932D45FBF}"/>
-              </a:ext>
-            </a:extLst>
-          </p:cNvPr>
-          <p:cNvCxnSpPr>
-            <a:cxnSpLocks/>
-            <a:stCxn id="13" idx="0"/>
-            <a:endCxn id="15" idx="1"/>
-          </p:cNvCxnSpPr>
-          <p:nvPr/>
-        </p:nvCxnSpPr>
-        <p:spPr>
-          <a:xfrm rot="5400000" flipH="1" flipV="1">
-            <a:off x="455851" y="1423898"/>
-            <a:ext cx="2406435" cy="541125"/>
-          </a:xfrm>
-          <a:prstGeom prst="bentConnector2">
-            <a:avLst/>
-          </a:prstGeom>
-          <a:ln>
-            <a:tailEnd type="triangle"/>
-          </a:ln>
-        </p:spPr>
-        <p:style>
-          <a:lnRef idx="1">
-            <a:schemeClr val="accent1"/>
-          </a:lnRef>
-          <a:fillRef idx="0">
-            <a:schemeClr val="accent1"/>
-          </a:fillRef>
-          <a:effectRef idx="0">
-            <a:schemeClr val="accent1"/>
-          </a:effectRef>
-          <a:fontRef idx="minor">
-            <a:schemeClr val="tx1"/>
-          </a:fontRef>
-        </p:style>
-      </p:cxnSp>
-      <p:sp>
-        <p:nvSpPr>
-          <p:cNvPr id="26" name="TextBox 25">
-            <a:extLst>
-              <a:ext uri="{FF2B5EF4-FFF2-40B4-BE49-F238E27FC236}">
-                <a16:creationId xmlns:a16="http://schemas.microsoft.com/office/drawing/2014/main" id="{2ABBC7B6-4AB8-4033-9745-6F369BED9E5B}"/>
-              </a:ext>
-            </a:extLst>
-          </p:cNvPr>
-          <p:cNvSpPr txBox="1"/>
-          <p:nvPr/>
-        </p:nvSpPr>
-        <p:spPr>
-          <a:xfrm>
-            <a:off x="10620917" y="526796"/>
-            <a:ext cx="940799" cy="2031325"/>
-          </a:xfrm>
-          <a:prstGeom prst="rect">
-            <a:avLst/>
-          </a:prstGeom>
-          <a:noFill/>
-        </p:spPr>
-        <p:txBody>
-          <a:bodyPr wrap="square" rtlCol="0">
-            <a:spAutoFit/>
-          </a:bodyPr>
-          <a:lstStyle/>
-          <a:p>
-            <a:endParaRPr lang="en-US" dirty="0"/>
-          </a:p>
-          <a:p>
-            <a:endParaRPr lang="en-US" dirty="0"/>
-          </a:p>
-          <a:p>
-            <a:r>
-              <a:rPr lang="en-US" dirty="0"/>
-              <a:t>@t=1</a:t>
-            </a:r>
-          </a:p>
-          <a:p>
-            <a:endParaRPr lang="en-US" dirty="0"/>
-          </a:p>
-          <a:p>
-            <a:r>
-              <a:rPr lang="en-US" dirty="0"/>
-              <a:t>…</a:t>
-            </a:r>
-          </a:p>
-          <a:p>
-            <a:endParaRPr lang="en-US" dirty="0"/>
-          </a:p>
-          <a:p>
-            <a:r>
-              <a:rPr lang="en-US" dirty="0"/>
-              <a:t>@t &gt;= 3</a:t>
-            </a:r>
-          </a:p>
-        </p:txBody>
-      </p:sp>
-      <p:pic>
-        <p:nvPicPr>
-          <p:cNvPr id="27" name="Picture 26" descr="A close up of a sign&#10;&#10;Description automatically generated">
-            <a:extLst>
-              <a:ext uri="{FF2B5EF4-FFF2-40B4-BE49-F238E27FC236}">
-                <a16:creationId xmlns:a16="http://schemas.microsoft.com/office/drawing/2014/main" id="{8136FE38-4798-4BDF-9385-D1437646692F}"/>
-              </a:ext>
-            </a:extLst>
-          </p:cNvPr>
-          <p:cNvPicPr>
-            <a:picLocks noChangeAspect="1"/>
-          </p:cNvPicPr>
-          <p:nvPr/>
-        </p:nvPicPr>
-        <p:blipFill>
-          <a:blip r:embed="rId5">
-            <a:extLst>
-              <a:ext uri="{28A0092B-C50C-407E-A947-70E740481C1C}">
-                <a14:useLocalDpi xmlns:a14="http://schemas.microsoft.com/office/drawing/2010/main" val="0"/>
-              </a:ext>
-            </a:extLst>
-          </a:blip>
-          <a:stretch>
-            <a:fillRect/>
-          </a:stretch>
-        </p:blipFill>
-        <p:spPr>
-          <a:xfrm>
-            <a:off x="4151089" y="40268"/>
-            <a:ext cx="1640873" cy="613279"/>
-          </a:xfrm>
-          <a:prstGeom prst="rect">
-            <a:avLst/>
-          </a:prstGeom>
-        </p:spPr>
-      </p:pic>
-      <p:cxnSp>
-        <p:nvCxnSpPr>
-          <p:cNvPr id="28" name="Connector: Elbow 27">
-            <a:extLst>
-              <a:ext uri="{FF2B5EF4-FFF2-40B4-BE49-F238E27FC236}">
-                <a16:creationId xmlns:a16="http://schemas.microsoft.com/office/drawing/2014/main" id="{C086035E-8D4B-4ED4-8AF7-4CF3D471A3C5}"/>
-              </a:ext>
-            </a:extLst>
-          </p:cNvPr>
-          <p:cNvCxnSpPr>
-            <a:cxnSpLocks/>
-            <a:endCxn id="10" idx="3"/>
-          </p:cNvCxnSpPr>
-          <p:nvPr/>
-        </p:nvCxnSpPr>
-        <p:spPr>
-          <a:xfrm rot="16200000" flipV="1">
-            <a:off x="8728682" y="832110"/>
-            <a:ext cx="2122158" cy="1396919"/>
-          </a:xfrm>
-          <a:prstGeom prst="bentConnector2">
-            <a:avLst/>
-          </a:prstGeom>
-          <a:ln>
-            <a:tailEnd type="triangle"/>
-          </a:ln>
-        </p:spPr>
-        <p:style>
-          <a:lnRef idx="1">
-            <a:schemeClr val="accent1"/>
-          </a:lnRef>
-          <a:fillRef idx="0">
-            <a:schemeClr val="accent1"/>
-          </a:fillRef>
-          <a:effectRef idx="0">
-            <a:schemeClr val="accent1"/>
-          </a:effectRef>
-          <a:fontRef idx="minor">
-            <a:schemeClr val="tx1"/>
-          </a:fontRef>
-        </p:style>
-      </p:cxnSp>
-      <p:sp>
-        <p:nvSpPr>
-          <p:cNvPr id="29" name="TextBox 28">
-            <a:extLst>
-              <a:ext uri="{FF2B5EF4-FFF2-40B4-BE49-F238E27FC236}">
-                <a16:creationId xmlns:a16="http://schemas.microsoft.com/office/drawing/2014/main" id="{19EC197C-C354-4BF5-B3B6-E7ADC2A79342}"/>
-              </a:ext>
-            </a:extLst>
-          </p:cNvPr>
-          <p:cNvSpPr txBox="1"/>
-          <p:nvPr/>
-        </p:nvSpPr>
-        <p:spPr>
-          <a:xfrm>
-            <a:off x="348617" y="924130"/>
-            <a:ext cx="855058" cy="923330"/>
-          </a:xfrm>
-          <a:prstGeom prst="rect">
-            <a:avLst/>
-          </a:prstGeom>
-          <a:noFill/>
-        </p:spPr>
-        <p:txBody>
-          <a:bodyPr wrap="square">
-            <a:spAutoFit/>
-          </a:bodyPr>
-          <a:lstStyle/>
-          <a:p>
-            <a:endParaRPr lang="en-US" dirty="0"/>
-          </a:p>
-          <a:p>
-            <a:endParaRPr lang="en-US" dirty="0"/>
-          </a:p>
-          <a:p>
-            <a:r>
-              <a:rPr lang="en-US" dirty="0"/>
-              <a:t>@t=2</a:t>
-            </a:r>
-          </a:p>
-        </p:txBody>
-      </p:sp>
-      <p:sp>
-        <p:nvSpPr>
-          <p:cNvPr id="30" name="TextBox 29">
-            <a:extLst>
-              <a:ext uri="{FF2B5EF4-FFF2-40B4-BE49-F238E27FC236}">
-                <a16:creationId xmlns:a16="http://schemas.microsoft.com/office/drawing/2014/main" id="{0973F51F-9991-4451-AD98-A5311F91F1A5}"/>
-              </a:ext>
-            </a:extLst>
-          </p:cNvPr>
-          <p:cNvSpPr txBox="1"/>
-          <p:nvPr/>
-        </p:nvSpPr>
-        <p:spPr>
-          <a:xfrm>
-            <a:off x="4588684" y="866944"/>
-            <a:ext cx="3399072" cy="369332"/>
-          </a:xfrm>
-          <a:prstGeom prst="rect">
-            <a:avLst/>
-          </a:prstGeom>
-          <a:noFill/>
-        </p:spPr>
-        <p:txBody>
-          <a:bodyPr wrap="none" rtlCol="0">
-            <a:spAutoFit/>
-          </a:bodyPr>
-          <a:lstStyle/>
-          <a:p>
-            <a:r>
-              <a:rPr lang="en-US" b="1" dirty="0"/>
-              <a:t>/dev/</a:t>
-            </a:r>
-            <a:r>
-              <a:rPr lang="en-US" b="1" dirty="0" err="1"/>
-              <a:t>shm</a:t>
-            </a:r>
-            <a:r>
-              <a:rPr lang="en-US" b="1" dirty="0"/>
-              <a:t>/</a:t>
-            </a:r>
-            <a:r>
-              <a:rPr lang="en-US" b="1" dirty="0" err="1"/>
-              <a:t>ChronicleStampedLock</a:t>
-            </a:r>
-            <a:endParaRPr lang="en-US" b="1" dirty="0"/>
-          </a:p>
-        </p:txBody>
-      </p:sp>
-      <p:sp>
-        <p:nvSpPr>
-          <p:cNvPr id="31" name="TextBox 30">
-            <a:extLst>
-              <a:ext uri="{FF2B5EF4-FFF2-40B4-BE49-F238E27FC236}">
-                <a16:creationId xmlns:a16="http://schemas.microsoft.com/office/drawing/2014/main" id="{858B61B2-DFBD-4D79-BDE6-D1BB72A8A722}"/>
-              </a:ext>
-            </a:extLst>
-          </p:cNvPr>
-          <p:cNvSpPr txBox="1"/>
-          <p:nvPr/>
-        </p:nvSpPr>
-        <p:spPr>
-          <a:xfrm>
-            <a:off x="8252418" y="811642"/>
-            <a:ext cx="2368500" cy="646331"/>
-          </a:xfrm>
-          <a:prstGeom prst="rect">
-            <a:avLst/>
-          </a:prstGeom>
-          <a:noFill/>
-        </p:spPr>
-        <p:txBody>
-          <a:bodyPr wrap="square" rtlCol="0">
-            <a:spAutoFit/>
-          </a:bodyPr>
-          <a:lstStyle/>
-          <a:p>
-            <a:r>
-              <a:rPr lang="en-US" dirty="0" err="1"/>
-              <a:t>Stmp</a:t>
-            </a:r>
-            <a:r>
-              <a:rPr lang="en-US" dirty="0"/>
-              <a:t> = </a:t>
-            </a:r>
-            <a:r>
-              <a:rPr lang="en-US" dirty="0" err="1"/>
-              <a:t>csl.</a:t>
-            </a:r>
-            <a:r>
-              <a:rPr lang="en-US" i="1" dirty="0" err="1"/>
-              <a:t>tryOptimisticRead</a:t>
-            </a:r>
-            <a:r>
-              <a:rPr lang="en-US" i="1" dirty="0"/>
-              <a:t>();</a:t>
-            </a:r>
-          </a:p>
-        </p:txBody>
-      </p:sp>
-      <p:sp>
-        <p:nvSpPr>
-          <p:cNvPr id="32" name="TextBox 31">
-            <a:extLst>
-              <a:ext uri="{FF2B5EF4-FFF2-40B4-BE49-F238E27FC236}">
-                <a16:creationId xmlns:a16="http://schemas.microsoft.com/office/drawing/2014/main" id="{E9546134-7A30-4B54-8AE3-BD2336012B83}"/>
-              </a:ext>
-            </a:extLst>
-          </p:cNvPr>
-          <p:cNvSpPr txBox="1"/>
-          <p:nvPr/>
-        </p:nvSpPr>
-        <p:spPr>
-          <a:xfrm>
-            <a:off x="8593772" y="2137474"/>
-            <a:ext cx="2015425" cy="646331"/>
-          </a:xfrm>
-          <a:prstGeom prst="rect">
-            <a:avLst/>
-          </a:prstGeom>
-          <a:noFill/>
-        </p:spPr>
-        <p:txBody>
-          <a:bodyPr wrap="square" rtlCol="0">
-            <a:spAutoFit/>
-          </a:bodyPr>
-          <a:lstStyle/>
-          <a:p>
-            <a:r>
-              <a:rPr lang="en-US" dirty="0"/>
-              <a:t>?Dirty == </a:t>
-            </a:r>
-            <a:r>
-              <a:rPr lang="en-US" dirty="0" err="1"/>
-              <a:t>csl.validate</a:t>
-            </a:r>
-            <a:r>
-              <a:rPr lang="en-US" dirty="0"/>
-              <a:t>(</a:t>
-            </a:r>
-            <a:r>
-              <a:rPr lang="en-US" dirty="0" err="1"/>
-              <a:t>Stmp</a:t>
-            </a:r>
-            <a:r>
-              <a:rPr lang="en-US" dirty="0"/>
-              <a:t>);</a:t>
-            </a:r>
-            <a:endParaRPr lang="en-US" i="1" dirty="0"/>
-          </a:p>
-        </p:txBody>
-      </p:sp>
-      <p:sp>
-        <p:nvSpPr>
-          <p:cNvPr id="33" name="TextBox 32">
-            <a:extLst>
-              <a:ext uri="{FF2B5EF4-FFF2-40B4-BE49-F238E27FC236}">
-                <a16:creationId xmlns:a16="http://schemas.microsoft.com/office/drawing/2014/main" id="{3DB86439-864A-45AC-BC9B-B8FCA32143DF}"/>
-              </a:ext>
-            </a:extLst>
-          </p:cNvPr>
-          <p:cNvSpPr txBox="1"/>
-          <p:nvPr/>
-        </p:nvSpPr>
-        <p:spPr>
-          <a:xfrm>
-            <a:off x="278038" y="1463895"/>
-            <a:ext cx="6096000" cy="369332"/>
-          </a:xfrm>
-          <a:prstGeom prst="rect">
-            <a:avLst/>
-          </a:prstGeom>
-          <a:noFill/>
-        </p:spPr>
-        <p:txBody>
-          <a:bodyPr wrap="square">
-            <a:spAutoFit/>
-          </a:bodyPr>
-          <a:lstStyle/>
-          <a:p>
-            <a:r>
-              <a:rPr lang="en-US" dirty="0"/>
-              <a:t>                      </a:t>
-            </a:r>
-            <a:r>
-              <a:rPr lang="en-US" dirty="0" err="1"/>
-              <a:t>Stmp</a:t>
-            </a:r>
-            <a:r>
-              <a:rPr lang="en-US" dirty="0"/>
-              <a:t> = </a:t>
-            </a:r>
-            <a:r>
-              <a:rPr lang="en-US" dirty="0" err="1"/>
-              <a:t>csl.</a:t>
-            </a:r>
-            <a:r>
-              <a:rPr lang="en-US" i="1" dirty="0" err="1"/>
-              <a:t>tryWriteLock</a:t>
-            </a:r>
-            <a:r>
-              <a:rPr lang="en-US" i="1" dirty="0"/>
-              <a:t>();</a:t>
-            </a:r>
-            <a:endParaRPr lang="en-US" dirty="0"/>
-          </a:p>
-        </p:txBody>
-      </p:sp>
-      <p:cxnSp>
-        <p:nvCxnSpPr>
-          <p:cNvPr id="34" name="Straight Connector 33">
-            <a:extLst>
-              <a:ext uri="{FF2B5EF4-FFF2-40B4-BE49-F238E27FC236}">
-                <a16:creationId xmlns:a16="http://schemas.microsoft.com/office/drawing/2014/main" id="{6E1A4F58-E2D5-4BBD-A4C7-D17E9F6EDCDB}"/>
-              </a:ext>
-            </a:extLst>
-          </p:cNvPr>
-          <p:cNvCxnSpPr>
-            <a:cxnSpLocks/>
-            <a:stCxn id="10" idx="1"/>
-            <a:endCxn id="27" idx="3"/>
-          </p:cNvCxnSpPr>
-          <p:nvPr/>
-        </p:nvCxnSpPr>
-        <p:spPr>
-          <a:xfrm flipH="1" flipV="1">
-            <a:off x="5791962" y="346908"/>
-            <a:ext cx="2861283" cy="122583"/>
-          </a:xfrm>
-          <a:prstGeom prst="line">
-            <a:avLst/>
-          </a:prstGeom>
-        </p:spPr>
-        <p:style>
-          <a:lnRef idx="1">
-            <a:schemeClr val="accent1"/>
-          </a:lnRef>
-          <a:fillRef idx="0">
-            <a:schemeClr val="accent1"/>
-          </a:fillRef>
-          <a:effectRef idx="0">
-            <a:schemeClr val="accent1"/>
-          </a:effectRef>
-          <a:fontRef idx="minor">
-            <a:schemeClr val="tx1"/>
-          </a:fontRef>
-        </p:style>
-      </p:cxnSp>
-      <p:cxnSp>
-        <p:nvCxnSpPr>
-          <p:cNvPr id="35" name="Straight Connector 34">
-            <a:extLst>
-              <a:ext uri="{FF2B5EF4-FFF2-40B4-BE49-F238E27FC236}">
-                <a16:creationId xmlns:a16="http://schemas.microsoft.com/office/drawing/2014/main" id="{6F3B1C1C-67EE-4D7B-A972-3003D51EFE15}"/>
-              </a:ext>
-            </a:extLst>
-          </p:cNvPr>
-          <p:cNvCxnSpPr>
-            <a:cxnSpLocks/>
-            <a:stCxn id="27" idx="1"/>
-            <a:endCxn id="15" idx="3"/>
-          </p:cNvCxnSpPr>
-          <p:nvPr/>
-        </p:nvCxnSpPr>
-        <p:spPr>
-          <a:xfrm flipH="1">
-            <a:off x="2367687" y="346908"/>
-            <a:ext cx="1783402" cy="144334"/>
-          </a:xfrm>
-          <a:prstGeom prst="line">
-            <a:avLst/>
-          </a:prstGeom>
-        </p:spPr>
-        <p:style>
-          <a:lnRef idx="1">
-            <a:schemeClr val="accent1"/>
-          </a:lnRef>
-          <a:fillRef idx="0">
-            <a:schemeClr val="accent1"/>
-          </a:fillRef>
-          <a:effectRef idx="0">
-            <a:schemeClr val="accent1"/>
-          </a:effectRef>
-          <a:fontRef idx="minor">
-            <a:schemeClr val="tx1"/>
-          </a:fontRef>
-        </p:style>
-      </p:cxnSp>
-      <p:sp>
-        <p:nvSpPr>
-          <p:cNvPr id="36" name="TextBox 35">
-            <a:extLst>
-              <a:ext uri="{FF2B5EF4-FFF2-40B4-BE49-F238E27FC236}">
-                <a16:creationId xmlns:a16="http://schemas.microsoft.com/office/drawing/2014/main" id="{9BDF5E61-8068-435A-9F8D-2C16C846CE58}"/>
-              </a:ext>
-            </a:extLst>
-          </p:cNvPr>
-          <p:cNvSpPr txBox="1"/>
-          <p:nvPr/>
-        </p:nvSpPr>
-        <p:spPr>
-          <a:xfrm>
-            <a:off x="129297" y="5286635"/>
-            <a:ext cx="3196741" cy="830997"/>
-          </a:xfrm>
-          <a:prstGeom prst="rect">
-            <a:avLst/>
-          </a:prstGeom>
-          <a:noFill/>
-        </p:spPr>
-        <p:txBody>
-          <a:bodyPr wrap="square" rtlCol="0">
-            <a:spAutoFit/>
-          </a:bodyPr>
-          <a:lstStyle/>
-          <a:p>
-            <a:r>
-              <a:rPr lang="en-US" sz="2400" b="1" dirty="0" err="1"/>
-              <a:t>DirtyReadOffender</a:t>
-            </a:r>
-            <a:endParaRPr lang="en-US" sz="2400" b="1" dirty="0"/>
-          </a:p>
-          <a:p>
-            <a:r>
-              <a:rPr lang="en-US" sz="2400" b="1" dirty="0"/>
-              <a:t>.java</a:t>
-            </a:r>
-          </a:p>
-        </p:txBody>
-      </p:sp>
-      <p:sp>
-        <p:nvSpPr>
-          <p:cNvPr id="37" name="TextBox 36">
-            <a:extLst>
-              <a:ext uri="{FF2B5EF4-FFF2-40B4-BE49-F238E27FC236}">
-                <a16:creationId xmlns:a16="http://schemas.microsoft.com/office/drawing/2014/main" id="{E95AD48E-AD12-499E-9A88-B3BF0AE711FE}"/>
-              </a:ext>
-            </a:extLst>
-          </p:cNvPr>
-          <p:cNvSpPr txBox="1"/>
-          <p:nvPr/>
-        </p:nvSpPr>
-        <p:spPr>
-          <a:xfrm>
-            <a:off x="9170210" y="5106480"/>
-            <a:ext cx="3636345" cy="830997"/>
-          </a:xfrm>
-          <a:prstGeom prst="rect">
-            <a:avLst/>
-          </a:prstGeom>
-          <a:noFill/>
-        </p:spPr>
-        <p:txBody>
-          <a:bodyPr wrap="square" rtlCol="0">
-            <a:spAutoFit/>
-          </a:bodyPr>
-          <a:lstStyle/>
-          <a:p>
-            <a:r>
-              <a:rPr lang="en-US" sz="2400" b="1" dirty="0" err="1"/>
-              <a:t>DirtyReadIntolerant</a:t>
-            </a:r>
-            <a:endParaRPr lang="en-US" sz="2400" b="1" dirty="0"/>
-          </a:p>
-          <a:p>
-            <a:r>
-              <a:rPr lang="en-US" sz="2400" b="1" dirty="0"/>
-              <a:t>.java</a:t>
+              <a:t>, etc.)</a:t>
             </a:r>
           </a:p>
         </p:txBody>
@@ -5244,7 +3833,7 @@
     </p:spTree>
     <p:extLst>
       <p:ext uri="{BB962C8B-B14F-4D97-AF65-F5344CB8AC3E}">
-        <p14:creationId xmlns:p14="http://schemas.microsoft.com/office/powerpoint/2010/main" val="907545887"/>
+        <p14:creationId xmlns:p14="http://schemas.microsoft.com/office/powerpoint/2010/main" val="1477146189"/>
       </p:ext>
     </p:extLst>
   </p:cSld>
@@ -5273,10 +3862,10 @@
       </p:grpSpPr>
       <p:pic>
         <p:nvPicPr>
-          <p:cNvPr id="5" name="Picture 8" descr="CITI 1, download CITI 1 :: Vector Logos, Brand logo, Company logo">
-            <a:extLst>
-              <a:ext uri="{FF2B5EF4-FFF2-40B4-BE49-F238E27FC236}">
-                <a16:creationId xmlns:a16="http://schemas.microsoft.com/office/drawing/2014/main" id="{3D02179C-E848-43C9-8FAF-FBD2A756B4C9}"/>
+          <p:cNvPr id="3" name="Picture 8" descr="CITI 1, download CITI 1 :: Vector Logos, Brand logo, Company logo">
+            <a:extLst>
+              <a:ext uri="{FF2B5EF4-FFF2-40B4-BE49-F238E27FC236}">
+                <a16:creationId xmlns:a16="http://schemas.microsoft.com/office/drawing/2014/main" id="{577105CD-FE17-4F11-A2AE-6F8EE30E9C5C}"/>
               </a:ext>
             </a:extLst>
           </p:cNvPr>
@@ -5300,7 +3889,7 @@
         </p:blipFill>
         <p:spPr bwMode="auto">
           <a:xfrm>
-            <a:off x="11244262" y="6174709"/>
+            <a:off x="11082108" y="5963329"/>
             <a:ext cx="674462" cy="674462"/>
           </a:xfrm>
           <a:prstGeom prst="rect">
@@ -5318,219 +3907,10 @@
           </a:extLst>
         </p:spPr>
       </p:pic>
-      <p:sp>
-        <p:nvSpPr>
-          <p:cNvPr id="7" name="Arrow: Left 6">
-            <a:extLst>
-              <a:ext uri="{FF2B5EF4-FFF2-40B4-BE49-F238E27FC236}">
-                <a16:creationId xmlns:a16="http://schemas.microsoft.com/office/drawing/2014/main" id="{BFC95537-EBAF-4F2B-9097-DC188B46F4D7}"/>
-              </a:ext>
-            </a:extLst>
-          </p:cNvPr>
-          <p:cNvSpPr/>
-          <p:nvPr/>
-        </p:nvSpPr>
-        <p:spPr>
-          <a:xfrm>
-            <a:off x="7286171" y="3831771"/>
-            <a:ext cx="1712686" cy="493486"/>
-          </a:xfrm>
-          <a:prstGeom prst="leftArrow">
-            <a:avLst/>
-          </a:prstGeom>
-        </p:spPr>
-        <p:style>
-          <a:lnRef idx="2">
-            <a:schemeClr val="accent1">
-              <a:shade val="50000"/>
-            </a:schemeClr>
-          </a:lnRef>
-          <a:fillRef idx="1">
-            <a:schemeClr val="accent1"/>
-          </a:fillRef>
-          <a:effectRef idx="0">
-            <a:schemeClr val="accent1"/>
-          </a:effectRef>
-          <a:fontRef idx="minor">
-            <a:schemeClr val="lt1"/>
-          </a:fontRef>
-        </p:style>
-        <p:txBody>
-          <a:bodyPr rtlCol="0" anchor="ctr"/>
-          <a:lstStyle/>
-          <a:p>
-            <a:pPr algn="ctr"/>
-            <a:endParaRPr lang="en-US"/>
-          </a:p>
-        </p:txBody>
-      </p:sp>
-      <p:sp>
-        <p:nvSpPr>
-          <p:cNvPr id="8" name="TextBox 7">
-            <a:extLst>
-              <a:ext uri="{FF2B5EF4-FFF2-40B4-BE49-F238E27FC236}">
-                <a16:creationId xmlns:a16="http://schemas.microsoft.com/office/drawing/2014/main" id="{C15CAB94-5DAA-435E-A883-A52B3416D862}"/>
-              </a:ext>
-            </a:extLst>
-          </p:cNvPr>
-          <p:cNvSpPr txBox="1"/>
-          <p:nvPr/>
-        </p:nvSpPr>
-        <p:spPr>
-          <a:xfrm>
-            <a:off x="9318171" y="4005943"/>
-            <a:ext cx="1277258" cy="369332"/>
-          </a:xfrm>
-          <a:prstGeom prst="rect">
-            <a:avLst/>
-          </a:prstGeom>
-          <a:noFill/>
-        </p:spPr>
-        <p:txBody>
-          <a:bodyPr wrap="square" rtlCol="0">
-            <a:spAutoFit/>
-          </a:bodyPr>
-          <a:lstStyle/>
-          <a:p>
-            <a:r>
-              <a:rPr lang="en-US" dirty="0"/>
-              <a:t>@t = 3</a:t>
-            </a:r>
-          </a:p>
-        </p:txBody>
-      </p:sp>
-      <p:pic>
-        <p:nvPicPr>
-          <p:cNvPr id="2" name="Picture 1">
-            <a:extLst>
-              <a:ext uri="{FF2B5EF4-FFF2-40B4-BE49-F238E27FC236}">
-                <a16:creationId xmlns:a16="http://schemas.microsoft.com/office/drawing/2014/main" id="{130C1478-AA65-439E-B8C1-EAD5843B66F4}"/>
-              </a:ext>
-            </a:extLst>
-          </p:cNvPr>
-          <p:cNvPicPr>
-            <a:picLocks noChangeAspect="1"/>
-          </p:cNvPicPr>
-          <p:nvPr/>
-        </p:nvPicPr>
-        <p:blipFill>
-          <a:blip r:embed="rId3"/>
-          <a:stretch>
-            <a:fillRect/>
-          </a:stretch>
-        </p:blipFill>
-        <p:spPr>
-          <a:xfrm>
-            <a:off x="636134" y="-14515"/>
-            <a:ext cx="11253562" cy="5842228"/>
-          </a:xfrm>
-          <a:prstGeom prst="rect">
-            <a:avLst/>
-          </a:prstGeom>
-        </p:spPr>
-      </p:pic>
-      <p:sp>
-        <p:nvSpPr>
-          <p:cNvPr id="3" name="Arrow: Left 2">
-            <a:extLst>
-              <a:ext uri="{FF2B5EF4-FFF2-40B4-BE49-F238E27FC236}">
-                <a16:creationId xmlns:a16="http://schemas.microsoft.com/office/drawing/2014/main" id="{68F014F0-64A0-4680-BFDD-F3C37614BFD0}"/>
-              </a:ext>
-            </a:extLst>
-          </p:cNvPr>
-          <p:cNvSpPr/>
-          <p:nvPr/>
-        </p:nvSpPr>
-        <p:spPr>
-          <a:xfrm>
-            <a:off x="7286171" y="4249056"/>
-            <a:ext cx="1494972" cy="391885"/>
-          </a:xfrm>
-          <a:prstGeom prst="leftArrow">
-            <a:avLst/>
-          </a:prstGeom>
-        </p:spPr>
-        <p:style>
-          <a:lnRef idx="2">
-            <a:schemeClr val="accent1">
-              <a:shade val="50000"/>
-            </a:schemeClr>
-          </a:lnRef>
-          <a:fillRef idx="1">
-            <a:schemeClr val="accent1"/>
-          </a:fillRef>
-          <a:effectRef idx="0">
-            <a:schemeClr val="accent1"/>
-          </a:effectRef>
-          <a:fontRef idx="minor">
-            <a:schemeClr val="lt1"/>
-          </a:fontRef>
-        </p:style>
-        <p:txBody>
-          <a:bodyPr rtlCol="0" anchor="ctr"/>
-          <a:lstStyle/>
-          <a:p>
-            <a:pPr algn="ctr"/>
-            <a:r>
-              <a:rPr lang="en-US" dirty="0"/>
-              <a:t>@t=2</a:t>
-            </a:r>
-          </a:p>
-        </p:txBody>
-      </p:sp>
-      <p:sp>
-        <p:nvSpPr>
-          <p:cNvPr id="11" name="Arrow: Left 10">
-            <a:extLst>
-              <a:ext uri="{FF2B5EF4-FFF2-40B4-BE49-F238E27FC236}">
-                <a16:creationId xmlns:a16="http://schemas.microsoft.com/office/drawing/2014/main" id="{30F4E7DD-09A1-4098-A07C-060B84766FD6}"/>
-              </a:ext>
-            </a:extLst>
-          </p:cNvPr>
-          <p:cNvSpPr/>
-          <p:nvPr/>
-        </p:nvSpPr>
-        <p:spPr>
-          <a:xfrm>
-            <a:off x="5145314" y="2050141"/>
-            <a:ext cx="1494972" cy="391885"/>
-          </a:xfrm>
-          <a:prstGeom prst="leftArrow">
-            <a:avLst/>
-          </a:prstGeom>
-        </p:spPr>
-        <p:style>
-          <a:lnRef idx="2">
-            <a:schemeClr val="accent1">
-              <a:shade val="50000"/>
-            </a:schemeClr>
-          </a:lnRef>
-          <a:fillRef idx="1">
-            <a:schemeClr val="accent1"/>
-          </a:fillRef>
-          <a:effectRef idx="0">
-            <a:schemeClr val="accent1"/>
-          </a:effectRef>
-          <a:fontRef idx="minor">
-            <a:schemeClr val="lt1"/>
-          </a:fontRef>
-        </p:style>
-        <p:txBody>
-          <a:bodyPr rtlCol="0" anchor="ctr"/>
-          <a:lstStyle/>
-          <a:p>
-            <a:pPr algn="ctr"/>
-            <a:r>
-              <a:rPr lang="en-US" dirty="0"/>
-              <a:t>@t=0</a:t>
-            </a:r>
-          </a:p>
-        </p:txBody>
-      </p:sp>
     </p:spTree>
     <p:extLst>
       <p:ext uri="{BB962C8B-B14F-4D97-AF65-F5344CB8AC3E}">
-        <p14:creationId xmlns:p14="http://schemas.microsoft.com/office/powerpoint/2010/main" val="7919060"/>
+        <p14:creationId xmlns:p14="http://schemas.microsoft.com/office/powerpoint/2010/main" val="4129159530"/>
       </p:ext>
     </p:extLst>
   </p:cSld>
@@ -5557,12 +3937,62 @@
           <a:chExt cx="0" cy="0"/>
         </a:xfrm>
       </p:grpSpPr>
+      <p:sp>
+        <p:nvSpPr>
+          <p:cNvPr id="2" name="Title 1">
+            <a:extLst>
+              <a:ext uri="{FF2B5EF4-FFF2-40B4-BE49-F238E27FC236}">
+                <a16:creationId xmlns:a16="http://schemas.microsoft.com/office/drawing/2014/main" id="{74FB3E38-9A6A-4A32-BED3-FFAF92660B83}"/>
+              </a:ext>
+            </a:extLst>
+          </p:cNvPr>
+          <p:cNvSpPr>
+            <a:spLocks noGrp="1"/>
+          </p:cNvSpPr>
+          <p:nvPr>
+            <p:ph type="title"/>
+          </p:nvPr>
+        </p:nvSpPr>
+        <p:spPr/>
+        <p:txBody>
+          <a:bodyPr/>
+          <a:lstStyle/>
+          <a:p>
+            <a:endParaRPr lang="en-US"/>
+          </a:p>
+        </p:txBody>
+      </p:sp>
+      <p:sp>
+        <p:nvSpPr>
+          <p:cNvPr id="3" name="Content Placeholder 2">
+            <a:extLst>
+              <a:ext uri="{FF2B5EF4-FFF2-40B4-BE49-F238E27FC236}">
+                <a16:creationId xmlns:a16="http://schemas.microsoft.com/office/drawing/2014/main" id="{A451DE09-6466-48A9-88D8-5D7B17CD8036}"/>
+              </a:ext>
+            </a:extLst>
+          </p:cNvPr>
+          <p:cNvSpPr>
+            <a:spLocks noGrp="1"/>
+          </p:cNvSpPr>
+          <p:nvPr>
+            <p:ph idx="1"/>
+          </p:nvPr>
+        </p:nvSpPr>
+        <p:spPr/>
+        <p:txBody>
+          <a:bodyPr/>
+          <a:lstStyle/>
+          <a:p>
+            <a:endParaRPr lang="en-US" dirty="0"/>
+          </a:p>
+        </p:txBody>
+      </p:sp>
       <p:pic>
         <p:nvPicPr>
-          <p:cNvPr id="5" name="Picture 8" descr="CITI 1, download CITI 1 :: Vector Logos, Brand logo, Company logo">
-            <a:extLst>
-              <a:ext uri="{FF2B5EF4-FFF2-40B4-BE49-F238E27FC236}">
-                <a16:creationId xmlns:a16="http://schemas.microsoft.com/office/drawing/2014/main" id="{D3A3700F-52BB-411E-8EE8-7FBA2FF16B62}"/>
+          <p:cNvPr id="4" name="Picture 2" descr="Map reversed">
+            <a:extLst>
+              <a:ext uri="{FF2B5EF4-FFF2-40B4-BE49-F238E27FC236}">
+                <a16:creationId xmlns:a16="http://schemas.microsoft.com/office/drawing/2014/main" id="{EDDFEFC4-7DFC-482E-BBC9-833C27A823A2}"/>
               </a:ext>
             </a:extLst>
           </p:cNvPr>
@@ -5586,8 +4016,8 @@
         </p:blipFill>
         <p:spPr bwMode="auto">
           <a:xfrm>
-            <a:off x="11244262" y="6174709"/>
-            <a:ext cx="674462" cy="674462"/>
+            <a:off x="5337627" y="1553028"/>
+            <a:ext cx="1036411" cy="1036411"/>
           </a:xfrm>
           <a:prstGeom prst="rect">
             <a:avLst/>
@@ -5604,12 +4034,59 @@
           </a:extLst>
         </p:spPr>
       </p:pic>
+      <p:sp>
+        <p:nvSpPr>
+          <p:cNvPr id="5" name="TextBox 4">
+            <a:extLst>
+              <a:ext uri="{FF2B5EF4-FFF2-40B4-BE49-F238E27FC236}">
+                <a16:creationId xmlns:a16="http://schemas.microsoft.com/office/drawing/2014/main" id="{83FC2C91-2105-4D57-839A-C40DF336FA69}"/>
+              </a:ext>
+            </a:extLst>
+          </p:cNvPr>
+          <p:cNvSpPr txBox="1"/>
+          <p:nvPr/>
+        </p:nvSpPr>
+        <p:spPr>
+          <a:xfrm>
+            <a:off x="4971143" y="2582334"/>
+            <a:ext cx="2249714" cy="369332"/>
+          </a:xfrm>
+          <a:prstGeom prst="rect">
+            <a:avLst/>
+          </a:prstGeom>
+          <a:noFill/>
+        </p:spPr>
+        <p:txBody>
+          <a:bodyPr wrap="square" rtlCol="0">
+            <a:spAutoFit/>
+          </a:bodyPr>
+          <a:lstStyle/>
+          <a:p>
+            <a:r>
+              <a:rPr lang="en-US" b="1" i="1" dirty="0" err="1">
+                <a:solidFill>
+                  <a:schemeClr val="tx2"/>
+                </a:solidFill>
+              </a:rPr>
+              <a:t>ChronicleMap</a:t>
+            </a:r>
+            <a:r>
+              <a:rPr lang="en-US" b="1" i="1" dirty="0">
+                <a:solidFill>
+                  <a:schemeClr val="tx2"/>
+                </a:solidFill>
+              </a:rPr>
+              <a:t>&lt;K,V&gt;</a:t>
+            </a:r>
+          </a:p>
+        </p:txBody>
+      </p:sp>
       <p:pic>
         <p:nvPicPr>
-          <p:cNvPr id="4" name="Picture 3">
-            <a:extLst>
-              <a:ext uri="{FF2B5EF4-FFF2-40B4-BE49-F238E27FC236}">
-                <a16:creationId xmlns:a16="http://schemas.microsoft.com/office/drawing/2014/main" id="{78090BDC-C032-4346-9960-5B9F2D336BE5}"/>
+          <p:cNvPr id="6" name="Picture 5" descr="A close up of a logo&#10;&#10;Description automatically generated">
+            <a:extLst>
+              <a:ext uri="{FF2B5EF4-FFF2-40B4-BE49-F238E27FC236}">
+                <a16:creationId xmlns:a16="http://schemas.microsoft.com/office/drawing/2014/main" id="{087A7BD2-ADBE-4D72-A9AA-D019096AF207}"/>
               </a:ext>
             </a:extLst>
           </p:cNvPr>
@@ -5619,15 +4096,21 @@
           <p:nvPr/>
         </p:nvPicPr>
         <p:blipFill>
-          <a:blip r:embed="rId3"/>
+          <a:blip r:embed="rId3">
+            <a:extLst>
+              <a:ext uri="{28A0092B-C50C-407E-A947-70E740481C1C}">
+                <a14:useLocalDpi xmlns:a14="http://schemas.microsoft.com/office/drawing/2010/main" val="0"/>
+              </a:ext>
+            </a:extLst>
+          </a:blip>
           <a:stretch>
             <a:fillRect/>
           </a:stretch>
         </p:blipFill>
         <p:spPr>
           <a:xfrm>
-            <a:off x="1824037" y="435428"/>
-            <a:ext cx="9420225" cy="5486400"/>
+            <a:off x="6939208" y="2803032"/>
+            <a:ext cx="667683" cy="778852"/>
           </a:xfrm>
           <a:prstGeom prst="rect">
             <a:avLst/>
@@ -5636,10 +4119,1497 @@
       </p:pic>
       <p:sp>
         <p:nvSpPr>
-          <p:cNvPr id="8" name="Arrow: Left 7">
-            <a:extLst>
-              <a:ext uri="{FF2B5EF4-FFF2-40B4-BE49-F238E27FC236}">
-                <a16:creationId xmlns:a16="http://schemas.microsoft.com/office/drawing/2014/main" id="{80A8AF85-F8FA-4713-B847-736001677D0D}"/>
+          <p:cNvPr id="7" name="TextBox 6">
+            <a:extLst>
+              <a:ext uri="{FF2B5EF4-FFF2-40B4-BE49-F238E27FC236}">
+                <a16:creationId xmlns:a16="http://schemas.microsoft.com/office/drawing/2014/main" id="{C8116288-688E-429D-946D-D621C1B6D93F}"/>
+              </a:ext>
+            </a:extLst>
+          </p:cNvPr>
+          <p:cNvSpPr txBox="1"/>
+          <p:nvPr/>
+        </p:nvSpPr>
+        <p:spPr>
+          <a:xfrm>
+            <a:off x="4142037" y="3120684"/>
+            <a:ext cx="2865208" cy="646331"/>
+          </a:xfrm>
+          <a:prstGeom prst="rect">
+            <a:avLst/>
+          </a:prstGeom>
+          <a:noFill/>
+        </p:spPr>
+        <p:txBody>
+          <a:bodyPr wrap="none" rtlCol="0">
+            <a:spAutoFit/>
+          </a:bodyPr>
+          <a:lstStyle/>
+          <a:p>
+            <a:r>
+              <a:rPr lang="en-US" b="1" dirty="0"/>
+              <a:t>/dev/</a:t>
+            </a:r>
+            <a:r>
+              <a:rPr lang="en-US" b="1" dirty="0" err="1"/>
+              <a:t>shm</a:t>
+            </a:r>
+            <a:r>
+              <a:rPr lang="en-US" b="1" dirty="0"/>
+              <a:t>/</a:t>
+            </a:r>
+            <a:r>
+              <a:rPr lang="en-US" b="1" dirty="0" err="1"/>
+              <a:t>BondVOInterface</a:t>
+            </a:r>
+            <a:endParaRPr lang="en-US" b="1" dirty="0"/>
+          </a:p>
+          <a:p>
+            <a:endParaRPr lang="en-US" b="1" dirty="0"/>
+          </a:p>
+        </p:txBody>
+      </p:sp>
+      <p:pic>
+        <p:nvPicPr>
+          <p:cNvPr id="8" name="Picture 4" descr="Image result for java duke">
+            <a:extLst>
+              <a:ext uri="{FF2B5EF4-FFF2-40B4-BE49-F238E27FC236}">
+                <a16:creationId xmlns:a16="http://schemas.microsoft.com/office/drawing/2014/main" id="{D7532428-2F6C-4FBC-AE4E-49275F9863D2}"/>
+              </a:ext>
+            </a:extLst>
+          </p:cNvPr>
+          <p:cNvPicPr>
+            <a:picLocks noChangeAspect="1" noChangeArrowheads="1"/>
+          </p:cNvPicPr>
+          <p:nvPr/>
+        </p:nvPicPr>
+        <p:blipFill>
+          <a:blip r:embed="rId4">
+            <a:extLst>
+              <a:ext uri="{28A0092B-C50C-407E-A947-70E740481C1C}">
+                <a14:useLocalDpi xmlns:a14="http://schemas.microsoft.com/office/drawing/2010/main" val="0"/>
+              </a:ext>
+            </a:extLst>
+          </a:blip>
+          <a:srcRect/>
+          <a:stretch>
+            <a:fillRect/>
+          </a:stretch>
+        </p:blipFill>
+        <p:spPr bwMode="auto">
+          <a:xfrm>
+            <a:off x="9753599" y="3429000"/>
+            <a:ext cx="1490663" cy="1490663"/>
+          </a:xfrm>
+          <a:prstGeom prst="rect">
+            <a:avLst/>
+          </a:prstGeom>
+          <a:noFill/>
+          <a:extLst>
+            <a:ext uri="{909E8E84-426E-40DD-AFC4-6F175D3DCCD1}">
+              <a14:hiddenFill xmlns:a14="http://schemas.microsoft.com/office/drawing/2010/main">
+                <a:solidFill>
+                  <a:srgbClr val="FFFFFF"/>
+                </a:solidFill>
+              </a14:hiddenFill>
+            </a:ext>
+          </a:extLst>
+        </p:spPr>
+      </p:pic>
+      <p:pic>
+        <p:nvPicPr>
+          <p:cNvPr id="9" name="Picture 8" descr="A close up of a sign&#10;&#10;Description automatically generated">
+            <a:extLst>
+              <a:ext uri="{FF2B5EF4-FFF2-40B4-BE49-F238E27FC236}">
+                <a16:creationId xmlns:a16="http://schemas.microsoft.com/office/drawing/2014/main" id="{E88E5C3D-DCCF-498C-9A54-351164F5993A}"/>
+              </a:ext>
+            </a:extLst>
+          </p:cNvPr>
+          <p:cNvPicPr>
+            <a:picLocks noChangeAspect="1"/>
+          </p:cNvPicPr>
+          <p:nvPr/>
+        </p:nvPicPr>
+        <p:blipFill>
+          <a:blip r:embed="rId5">
+            <a:extLst>
+              <a:ext uri="{28A0092B-C50C-407E-A947-70E740481C1C}">
+                <a14:useLocalDpi xmlns:a14="http://schemas.microsoft.com/office/drawing/2010/main" val="0"/>
+              </a:ext>
+            </a:extLst>
+          </a:blip>
+          <a:stretch>
+            <a:fillRect/>
+          </a:stretch>
+        </p:blipFill>
+        <p:spPr>
+          <a:xfrm>
+            <a:off x="9753599" y="2805892"/>
+            <a:ext cx="1640873" cy="613279"/>
+          </a:xfrm>
+          <a:prstGeom prst="rect">
+            <a:avLst/>
+          </a:prstGeom>
+        </p:spPr>
+      </p:pic>
+      <p:pic>
+        <p:nvPicPr>
+          <p:cNvPr id="10" name="Picture 9" descr="A picture containing drawing, knife, light&#10;&#10;Description automatically generated">
+            <a:extLst>
+              <a:ext uri="{FF2B5EF4-FFF2-40B4-BE49-F238E27FC236}">
+                <a16:creationId xmlns:a16="http://schemas.microsoft.com/office/drawing/2014/main" id="{5B84DB90-B40F-476D-A416-A34FB5DDBC1B}"/>
+              </a:ext>
+            </a:extLst>
+          </p:cNvPr>
+          <p:cNvPicPr>
+            <a:picLocks noChangeAspect="1"/>
+          </p:cNvPicPr>
+          <p:nvPr/>
+        </p:nvPicPr>
+        <p:blipFill>
+          <a:blip r:embed="rId6">
+            <a:extLst>
+              <a:ext uri="{28A0092B-C50C-407E-A947-70E740481C1C}">
+                <a14:useLocalDpi xmlns:a14="http://schemas.microsoft.com/office/drawing/2010/main" val="0"/>
+              </a:ext>
+            </a:extLst>
+          </a:blip>
+          <a:stretch>
+            <a:fillRect/>
+          </a:stretch>
+        </p:blipFill>
+        <p:spPr>
+          <a:xfrm>
+            <a:off x="8653245" y="162851"/>
+            <a:ext cx="438056" cy="613279"/>
+          </a:xfrm>
+          <a:prstGeom prst="rect">
+            <a:avLst/>
+          </a:prstGeom>
+        </p:spPr>
+      </p:pic>
+      <p:sp>
+        <p:nvSpPr>
+          <p:cNvPr id="11" name="TextBox 10">
+            <a:extLst>
+              <a:ext uri="{FF2B5EF4-FFF2-40B4-BE49-F238E27FC236}">
+                <a16:creationId xmlns:a16="http://schemas.microsoft.com/office/drawing/2014/main" id="{CCF34D4C-0DBA-4A89-B8EF-5887E27704AC}"/>
+              </a:ext>
+            </a:extLst>
+          </p:cNvPr>
+          <p:cNvSpPr txBox="1"/>
+          <p:nvPr/>
+        </p:nvSpPr>
+        <p:spPr>
+          <a:xfrm>
+            <a:off x="10358511" y="4734997"/>
+            <a:ext cx="1771501" cy="369332"/>
+          </a:xfrm>
+          <a:prstGeom prst="rect">
+            <a:avLst/>
+          </a:prstGeom>
+          <a:noFill/>
+        </p:spPr>
+        <p:txBody>
+          <a:bodyPr wrap="square" rtlCol="0">
+            <a:spAutoFit/>
+          </a:bodyPr>
+          <a:lstStyle/>
+          <a:p>
+            <a:r>
+              <a:rPr lang="en-US" dirty="0"/>
+              <a:t>JVM </a:t>
+            </a:r>
+            <a:r>
+              <a:rPr lang="en-US" dirty="0" err="1"/>
+              <a:t>pid</a:t>
+            </a:r>
+            <a:r>
+              <a:rPr lang="en-US" dirty="0"/>
+              <a:t> 1</a:t>
+            </a:r>
+          </a:p>
+        </p:txBody>
+      </p:sp>
+      <p:pic>
+        <p:nvPicPr>
+          <p:cNvPr id="12" name="Picture 4" descr="Image result for java duke">
+            <a:extLst>
+              <a:ext uri="{FF2B5EF4-FFF2-40B4-BE49-F238E27FC236}">
+                <a16:creationId xmlns:a16="http://schemas.microsoft.com/office/drawing/2014/main" id="{86A6E234-880F-4BEB-AEB4-170047133129}"/>
+              </a:ext>
+            </a:extLst>
+          </p:cNvPr>
+          <p:cNvPicPr>
+            <a:picLocks noChangeAspect="1" noChangeArrowheads="1"/>
+          </p:cNvPicPr>
+          <p:nvPr/>
+        </p:nvPicPr>
+        <p:blipFill>
+          <a:blip r:embed="rId4">
+            <a:extLst>
+              <a:ext uri="{28A0092B-C50C-407E-A947-70E740481C1C}">
+                <a14:useLocalDpi xmlns:a14="http://schemas.microsoft.com/office/drawing/2010/main" val="0"/>
+              </a:ext>
+            </a:extLst>
+          </a:blip>
+          <a:srcRect/>
+          <a:stretch>
+            <a:fillRect/>
+          </a:stretch>
+        </p:blipFill>
+        <p:spPr bwMode="auto">
+          <a:xfrm>
+            <a:off x="628142" y="3591648"/>
+            <a:ext cx="1490663" cy="1490663"/>
+          </a:xfrm>
+          <a:prstGeom prst="rect">
+            <a:avLst/>
+          </a:prstGeom>
+          <a:noFill/>
+          <a:extLst>
+            <a:ext uri="{909E8E84-426E-40DD-AFC4-6F175D3DCCD1}">
+              <a14:hiddenFill xmlns:a14="http://schemas.microsoft.com/office/drawing/2010/main">
+                <a:solidFill>
+                  <a:srgbClr val="FFFFFF"/>
+                </a:solidFill>
+              </a14:hiddenFill>
+            </a:ext>
+          </a:extLst>
+        </p:spPr>
+      </p:pic>
+      <p:pic>
+        <p:nvPicPr>
+          <p:cNvPr id="13" name="Picture 12" descr="A close up of a sign&#10;&#10;Description automatically generated">
+            <a:extLst>
+              <a:ext uri="{FF2B5EF4-FFF2-40B4-BE49-F238E27FC236}">
+                <a16:creationId xmlns:a16="http://schemas.microsoft.com/office/drawing/2014/main" id="{2B99A050-F8C0-4994-842C-733E52992FA0}"/>
+              </a:ext>
+            </a:extLst>
+          </p:cNvPr>
+          <p:cNvPicPr>
+            <a:picLocks noChangeAspect="1"/>
+          </p:cNvPicPr>
+          <p:nvPr/>
+        </p:nvPicPr>
+        <p:blipFill>
+          <a:blip r:embed="rId5">
+            <a:extLst>
+              <a:ext uri="{28A0092B-C50C-407E-A947-70E740481C1C}">
+                <a14:useLocalDpi xmlns:a14="http://schemas.microsoft.com/office/drawing/2010/main" val="0"/>
+              </a:ext>
+            </a:extLst>
+          </a:blip>
+          <a:stretch>
+            <a:fillRect/>
+          </a:stretch>
+        </p:blipFill>
+        <p:spPr>
+          <a:xfrm>
+            <a:off x="568069" y="2897677"/>
+            <a:ext cx="1640873" cy="613279"/>
+          </a:xfrm>
+          <a:prstGeom prst="rect">
+            <a:avLst/>
+          </a:prstGeom>
+        </p:spPr>
+      </p:pic>
+      <p:sp>
+        <p:nvSpPr>
+          <p:cNvPr id="14" name="TextBox 13">
+            <a:extLst>
+              <a:ext uri="{FF2B5EF4-FFF2-40B4-BE49-F238E27FC236}">
+                <a16:creationId xmlns:a16="http://schemas.microsoft.com/office/drawing/2014/main" id="{0DFE0FD0-37B1-4783-BFCF-5D110AEBBB61}"/>
+              </a:ext>
+            </a:extLst>
+          </p:cNvPr>
+          <p:cNvSpPr txBox="1"/>
+          <p:nvPr/>
+        </p:nvSpPr>
+        <p:spPr>
+          <a:xfrm>
+            <a:off x="1043880" y="4836611"/>
+            <a:ext cx="1771501" cy="369332"/>
+          </a:xfrm>
+          <a:prstGeom prst="rect">
+            <a:avLst/>
+          </a:prstGeom>
+          <a:noFill/>
+        </p:spPr>
+        <p:txBody>
+          <a:bodyPr wrap="square" rtlCol="0">
+            <a:spAutoFit/>
+          </a:bodyPr>
+          <a:lstStyle/>
+          <a:p>
+            <a:r>
+              <a:rPr lang="en-US" dirty="0"/>
+              <a:t>JVM </a:t>
+            </a:r>
+            <a:r>
+              <a:rPr lang="en-US" dirty="0" err="1"/>
+              <a:t>pid</a:t>
+            </a:r>
+            <a:r>
+              <a:rPr lang="en-US" dirty="0"/>
+              <a:t> 2</a:t>
+            </a:r>
+          </a:p>
+        </p:txBody>
+      </p:sp>
+      <p:pic>
+        <p:nvPicPr>
+          <p:cNvPr id="15" name="Picture 14" descr="A picture containing drawing, knife, light&#10;&#10;Description automatically generated">
+            <a:extLst>
+              <a:ext uri="{FF2B5EF4-FFF2-40B4-BE49-F238E27FC236}">
+                <a16:creationId xmlns:a16="http://schemas.microsoft.com/office/drawing/2014/main" id="{09ED1BE9-2658-44F7-B763-DA75AAB5DC17}"/>
+              </a:ext>
+            </a:extLst>
+          </p:cNvPr>
+          <p:cNvPicPr>
+            <a:picLocks noChangeAspect="1"/>
+          </p:cNvPicPr>
+          <p:nvPr/>
+        </p:nvPicPr>
+        <p:blipFill>
+          <a:blip r:embed="rId6">
+            <a:extLst>
+              <a:ext uri="{28A0092B-C50C-407E-A947-70E740481C1C}">
+                <a14:useLocalDpi xmlns:a14="http://schemas.microsoft.com/office/drawing/2010/main" val="0"/>
+              </a:ext>
+            </a:extLst>
+          </a:blip>
+          <a:stretch>
+            <a:fillRect/>
+          </a:stretch>
+        </p:blipFill>
+        <p:spPr>
+          <a:xfrm>
+            <a:off x="1929631" y="184602"/>
+            <a:ext cx="438056" cy="613279"/>
+          </a:xfrm>
+          <a:prstGeom prst="rect">
+            <a:avLst/>
+          </a:prstGeom>
+        </p:spPr>
+      </p:pic>
+      <p:pic>
+        <p:nvPicPr>
+          <p:cNvPr id="16" name="Picture 6" descr="Image result for java duke">
+            <a:extLst>
+              <a:ext uri="{FF2B5EF4-FFF2-40B4-BE49-F238E27FC236}">
+                <a16:creationId xmlns:a16="http://schemas.microsoft.com/office/drawing/2014/main" id="{9FB3877E-3D50-42E8-8117-2C98F16037D5}"/>
+              </a:ext>
+            </a:extLst>
+          </p:cNvPr>
+          <p:cNvPicPr>
+            <a:picLocks noChangeAspect="1" noChangeArrowheads="1"/>
+          </p:cNvPicPr>
+          <p:nvPr/>
+        </p:nvPicPr>
+        <p:blipFill>
+          <a:blip r:embed="rId7">
+            <a:extLst>
+              <a:ext uri="{28A0092B-C50C-407E-A947-70E740481C1C}">
+                <a14:useLocalDpi xmlns:a14="http://schemas.microsoft.com/office/drawing/2010/main" val="0"/>
+              </a:ext>
+            </a:extLst>
+          </a:blip>
+          <a:srcRect/>
+          <a:stretch>
+            <a:fillRect/>
+          </a:stretch>
+        </p:blipFill>
+        <p:spPr bwMode="auto">
+          <a:xfrm>
+            <a:off x="4061914" y="537683"/>
+            <a:ext cx="782508" cy="646330"/>
+          </a:xfrm>
+          <a:prstGeom prst="rect">
+            <a:avLst/>
+          </a:prstGeom>
+          <a:noFill/>
+          <a:extLst>
+            <a:ext uri="{909E8E84-426E-40DD-AFC4-6F175D3DCCD1}">
+              <a14:hiddenFill xmlns:a14="http://schemas.microsoft.com/office/drawing/2010/main">
+                <a:solidFill>
+                  <a:srgbClr val="FFFFFF"/>
+                </a:solidFill>
+              </a14:hiddenFill>
+            </a:ext>
+          </a:extLst>
+        </p:spPr>
+      </p:pic>
+      <p:pic>
+        <p:nvPicPr>
+          <p:cNvPr id="17" name="Picture 16" descr="A picture containing drawing, knife, light&#10;&#10;Description automatically generated">
+            <a:extLst>
+              <a:ext uri="{FF2B5EF4-FFF2-40B4-BE49-F238E27FC236}">
+                <a16:creationId xmlns:a16="http://schemas.microsoft.com/office/drawing/2014/main" id="{6693DA3F-954F-4A27-B172-EE3189F1FD93}"/>
+              </a:ext>
+            </a:extLst>
+          </p:cNvPr>
+          <p:cNvPicPr>
+            <a:picLocks noChangeAspect="1"/>
+          </p:cNvPicPr>
+          <p:nvPr/>
+        </p:nvPicPr>
+        <p:blipFill>
+          <a:blip r:embed="rId6">
+            <a:extLst>
+              <a:ext uri="{28A0092B-C50C-407E-A947-70E740481C1C}">
+                <a14:useLocalDpi xmlns:a14="http://schemas.microsoft.com/office/drawing/2010/main" val="0"/>
+              </a:ext>
+            </a:extLst>
+          </a:blip>
+          <a:stretch>
+            <a:fillRect/>
+          </a:stretch>
+        </p:blipFill>
+        <p:spPr>
+          <a:xfrm>
+            <a:off x="5679197" y="4582835"/>
+            <a:ext cx="438056" cy="613279"/>
+          </a:xfrm>
+          <a:prstGeom prst="rect">
+            <a:avLst/>
+          </a:prstGeom>
+        </p:spPr>
+      </p:pic>
+      <p:pic>
+        <p:nvPicPr>
+          <p:cNvPr id="18" name="Picture 8" descr="CITI 1, download CITI 1 :: Vector Logos, Brand logo, Company logo">
+            <a:extLst>
+              <a:ext uri="{FF2B5EF4-FFF2-40B4-BE49-F238E27FC236}">
+                <a16:creationId xmlns:a16="http://schemas.microsoft.com/office/drawing/2014/main" id="{F67BFD64-D710-4759-91CF-F8EFFCDD0663}"/>
+              </a:ext>
+            </a:extLst>
+          </p:cNvPr>
+          <p:cNvPicPr>
+            <a:picLocks noChangeAspect="1" noChangeArrowheads="1"/>
+          </p:cNvPicPr>
+          <p:nvPr/>
+        </p:nvPicPr>
+        <p:blipFill>
+          <a:blip r:embed="rId8">
+            <a:extLst>
+              <a:ext uri="{28A0092B-C50C-407E-A947-70E740481C1C}">
+                <a14:useLocalDpi xmlns:a14="http://schemas.microsoft.com/office/drawing/2010/main" val="0"/>
+              </a:ext>
+            </a:extLst>
+          </a:blip>
+          <a:srcRect/>
+          <a:stretch>
+            <a:fillRect/>
+          </a:stretch>
+        </p:blipFill>
+        <p:spPr bwMode="auto">
+          <a:xfrm>
+            <a:off x="11244262" y="6203737"/>
+            <a:ext cx="674462" cy="674462"/>
+          </a:xfrm>
+          <a:prstGeom prst="rect">
+            <a:avLst/>
+          </a:prstGeom>
+          <a:noFill/>
+          <a:extLst>
+            <a:ext uri="{909E8E84-426E-40DD-AFC4-6F175D3DCCD1}">
+              <a14:hiddenFill xmlns:a14="http://schemas.microsoft.com/office/drawing/2010/main">
+                <a:solidFill>
+                  <a:srgbClr val="FFFFFF"/>
+                </a:solidFill>
+              </a14:hiddenFill>
+            </a:ext>
+          </a:extLst>
+        </p:spPr>
+      </p:pic>
+      <p:cxnSp>
+        <p:nvCxnSpPr>
+          <p:cNvPr id="19" name="Connector: Elbow 18">
+            <a:extLst>
+              <a:ext uri="{FF2B5EF4-FFF2-40B4-BE49-F238E27FC236}">
+                <a16:creationId xmlns:a16="http://schemas.microsoft.com/office/drawing/2014/main" id="{7673559E-98DE-403D-B195-AC726D373B35}"/>
+              </a:ext>
+            </a:extLst>
+          </p:cNvPr>
+          <p:cNvCxnSpPr>
+            <a:stCxn id="8" idx="1"/>
+            <a:endCxn id="17" idx="3"/>
+          </p:cNvCxnSpPr>
+          <p:nvPr/>
+        </p:nvCxnSpPr>
+        <p:spPr>
+          <a:xfrm rot="10800000" flipV="1">
+            <a:off x="6117253" y="4174331"/>
+            <a:ext cx="3636346" cy="715143"/>
+          </a:xfrm>
+          <a:prstGeom prst="bentConnector3">
+            <a:avLst/>
+          </a:prstGeom>
+          <a:ln>
+            <a:tailEnd type="triangle"/>
+          </a:ln>
+        </p:spPr>
+        <p:style>
+          <a:lnRef idx="1">
+            <a:schemeClr val="accent1"/>
+          </a:lnRef>
+          <a:fillRef idx="0">
+            <a:schemeClr val="accent1"/>
+          </a:fillRef>
+          <a:effectRef idx="0">
+            <a:schemeClr val="accent1"/>
+          </a:effectRef>
+          <a:fontRef idx="minor">
+            <a:schemeClr val="tx1"/>
+          </a:fontRef>
+        </p:style>
+      </p:cxnSp>
+      <p:cxnSp>
+        <p:nvCxnSpPr>
+          <p:cNvPr id="20" name="Connector: Elbow 19">
+            <a:extLst>
+              <a:ext uri="{FF2B5EF4-FFF2-40B4-BE49-F238E27FC236}">
+                <a16:creationId xmlns:a16="http://schemas.microsoft.com/office/drawing/2014/main" id="{CF95E7C9-D621-45C8-9F77-E4DDD6DBD748}"/>
+              </a:ext>
+            </a:extLst>
+          </p:cNvPr>
+          <p:cNvCxnSpPr>
+            <a:cxnSpLocks/>
+            <a:stCxn id="12" idx="3"/>
+            <a:endCxn id="17" idx="1"/>
+          </p:cNvCxnSpPr>
+          <p:nvPr/>
+        </p:nvCxnSpPr>
+        <p:spPr>
+          <a:xfrm>
+            <a:off x="2118805" y="4336980"/>
+            <a:ext cx="3560392" cy="552495"/>
+          </a:xfrm>
+          <a:prstGeom prst="bentConnector3">
+            <a:avLst>
+              <a:gd name="adj1" fmla="val 50000"/>
+            </a:avLst>
+          </a:prstGeom>
+          <a:ln>
+            <a:tailEnd type="triangle"/>
+          </a:ln>
+        </p:spPr>
+        <p:style>
+          <a:lnRef idx="1">
+            <a:schemeClr val="accent1"/>
+          </a:lnRef>
+          <a:fillRef idx="0">
+            <a:schemeClr val="accent1"/>
+          </a:fillRef>
+          <a:effectRef idx="0">
+            <a:schemeClr val="accent1"/>
+          </a:effectRef>
+          <a:fontRef idx="minor">
+            <a:schemeClr val="tx1"/>
+          </a:fontRef>
+        </p:style>
+      </p:cxnSp>
+      <p:sp>
+        <p:nvSpPr>
+          <p:cNvPr id="21" name="TextBox 20">
+            <a:extLst>
+              <a:ext uri="{FF2B5EF4-FFF2-40B4-BE49-F238E27FC236}">
+                <a16:creationId xmlns:a16="http://schemas.microsoft.com/office/drawing/2014/main" id="{4582F302-F1BE-4B78-AC5C-D8033832FEF0}"/>
+              </a:ext>
+            </a:extLst>
+          </p:cNvPr>
+          <p:cNvSpPr txBox="1"/>
+          <p:nvPr/>
+        </p:nvSpPr>
+        <p:spPr>
+          <a:xfrm>
+            <a:off x="2826229" y="4347237"/>
+            <a:ext cx="940799" cy="369332"/>
+          </a:xfrm>
+          <a:prstGeom prst="rect">
+            <a:avLst/>
+          </a:prstGeom>
+          <a:noFill/>
+        </p:spPr>
+        <p:txBody>
+          <a:bodyPr wrap="square" rtlCol="0">
+            <a:spAutoFit/>
+          </a:bodyPr>
+          <a:lstStyle/>
+          <a:p>
+            <a:r>
+              <a:rPr lang="en-US" dirty="0"/>
+              <a:t>@t=0</a:t>
+            </a:r>
+          </a:p>
+        </p:txBody>
+      </p:sp>
+      <p:sp>
+        <p:nvSpPr>
+          <p:cNvPr id="22" name="TextBox 21">
+            <a:extLst>
+              <a:ext uri="{FF2B5EF4-FFF2-40B4-BE49-F238E27FC236}">
+                <a16:creationId xmlns:a16="http://schemas.microsoft.com/office/drawing/2014/main" id="{870CA1E2-7F79-495D-9F34-216D237E8494}"/>
+              </a:ext>
+            </a:extLst>
+          </p:cNvPr>
+          <p:cNvSpPr txBox="1"/>
+          <p:nvPr/>
+        </p:nvSpPr>
+        <p:spPr>
+          <a:xfrm>
+            <a:off x="8593772" y="4347237"/>
+            <a:ext cx="940799" cy="369332"/>
+          </a:xfrm>
+          <a:prstGeom prst="rect">
+            <a:avLst/>
+          </a:prstGeom>
+          <a:noFill/>
+        </p:spPr>
+        <p:txBody>
+          <a:bodyPr wrap="square" rtlCol="0">
+            <a:spAutoFit/>
+          </a:bodyPr>
+          <a:lstStyle/>
+          <a:p>
+            <a:r>
+              <a:rPr lang="en-US" dirty="0"/>
+              <a:t>@t=0</a:t>
+            </a:r>
+          </a:p>
+        </p:txBody>
+      </p:sp>
+      <p:sp>
+        <p:nvSpPr>
+          <p:cNvPr id="23" name="TextBox 22">
+            <a:extLst>
+              <a:ext uri="{FF2B5EF4-FFF2-40B4-BE49-F238E27FC236}">
+                <a16:creationId xmlns:a16="http://schemas.microsoft.com/office/drawing/2014/main" id="{75A22BA8-E451-449D-AB0F-726AA4F9616F}"/>
+              </a:ext>
+            </a:extLst>
+          </p:cNvPr>
+          <p:cNvSpPr txBox="1"/>
+          <p:nvPr/>
+        </p:nvSpPr>
+        <p:spPr>
+          <a:xfrm>
+            <a:off x="3412503" y="5157541"/>
+            <a:ext cx="7152771" cy="1200329"/>
+          </a:xfrm>
+          <a:prstGeom prst="rect">
+            <a:avLst/>
+          </a:prstGeom>
+          <a:noFill/>
+        </p:spPr>
+        <p:txBody>
+          <a:bodyPr wrap="square">
+            <a:spAutoFit/>
+          </a:bodyPr>
+          <a:lstStyle/>
+          <a:p>
+            <a:r>
+              <a:rPr lang="en-US" dirty="0"/>
+              <a:t> </a:t>
+            </a:r>
+            <a:r>
+              <a:rPr lang="en-US" dirty="0" err="1"/>
+              <a:t>ChronicleMap</a:t>
+            </a:r>
+            <a:r>
+              <a:rPr lang="en-US" dirty="0"/>
+              <a:t>&lt;String, </a:t>
+            </a:r>
+            <a:r>
+              <a:rPr lang="en-US" dirty="0" err="1"/>
+              <a:t>BondVOInterface</a:t>
+            </a:r>
+            <a:r>
+              <a:rPr lang="en-US" dirty="0"/>
+              <a:t>&gt; chm =</a:t>
+            </a:r>
+          </a:p>
+          <a:p>
+            <a:r>
+              <a:rPr lang="en-US" dirty="0"/>
+              <a:t>                   </a:t>
+            </a:r>
+            <a:r>
+              <a:rPr lang="en-US" dirty="0" err="1"/>
+              <a:t>ChroinicleMapBuilder</a:t>
+            </a:r>
+            <a:r>
+              <a:rPr lang="en-US" dirty="0"/>
+              <a:t>…</a:t>
+            </a:r>
+            <a:r>
+              <a:rPr lang="en-US" i="1" dirty="0" err="1"/>
+              <a:t>createPersistedTo</a:t>
+            </a:r>
+            <a:r>
+              <a:rPr lang="en-US" dirty="0"/>
+              <a:t>(</a:t>
+            </a:r>
+          </a:p>
+          <a:p>
+            <a:r>
+              <a:rPr lang="en-US" dirty="0"/>
+              <a:t>                          “/dev/</a:t>
+            </a:r>
+            <a:r>
+              <a:rPr lang="en-US" dirty="0" err="1"/>
+              <a:t>shm</a:t>
+            </a:r>
+            <a:r>
+              <a:rPr lang="en-US" dirty="0"/>
+              <a:t>/</a:t>
+            </a:r>
+            <a:r>
+              <a:rPr lang="en-US" dirty="0" err="1"/>
+              <a:t>BondVOInterface</a:t>
+            </a:r>
+            <a:r>
+              <a:rPr lang="en-US" dirty="0"/>
+              <a:t>"</a:t>
+            </a:r>
+          </a:p>
+          <a:p>
+            <a:r>
+              <a:rPr lang="en-US" dirty="0"/>
+              <a:t>                );</a:t>
+            </a:r>
+          </a:p>
+        </p:txBody>
+      </p:sp>
+      <p:sp>
+        <p:nvSpPr>
+          <p:cNvPr id="24" name="TextBox 23">
+            <a:extLst>
+              <a:ext uri="{FF2B5EF4-FFF2-40B4-BE49-F238E27FC236}">
+                <a16:creationId xmlns:a16="http://schemas.microsoft.com/office/drawing/2014/main" id="{3F0F1908-1AAB-44F1-9D83-C7215D688300}"/>
+              </a:ext>
+            </a:extLst>
+          </p:cNvPr>
+          <p:cNvSpPr txBox="1"/>
+          <p:nvPr/>
+        </p:nvSpPr>
+        <p:spPr>
+          <a:xfrm>
+            <a:off x="3971078" y="3344599"/>
+            <a:ext cx="4412269" cy="646331"/>
+          </a:xfrm>
+          <a:prstGeom prst="rect">
+            <a:avLst/>
+          </a:prstGeom>
+          <a:noFill/>
+        </p:spPr>
+        <p:txBody>
+          <a:bodyPr wrap="square" rtlCol="0">
+            <a:spAutoFit/>
+          </a:bodyPr>
+          <a:lstStyle/>
+          <a:p>
+            <a:r>
+              <a:rPr lang="en-US" dirty="0"/>
+              <a:t>@ </a:t>
+            </a:r>
+            <a:r>
+              <a:rPr lang="en-US" dirty="0">
+                <a:hlinkClick r:id="rId9"/>
+              </a:rPr>
+              <a:t>www.xsede.org</a:t>
+            </a:r>
+            <a:endParaRPr lang="en-US" dirty="0"/>
+          </a:p>
+          <a:p>
+            <a:r>
+              <a:rPr lang="en-US" dirty="0"/>
+              <a:t>Via </a:t>
+            </a:r>
+            <a:r>
+              <a:rPr lang="en-US" dirty="0">
+                <a:hlinkClick r:id="rId10"/>
+              </a:rPr>
+              <a:t>https://jira.ncsa.illinois.edu/projects/DA/</a:t>
+            </a:r>
+            <a:endParaRPr lang="en-US" dirty="0"/>
+          </a:p>
+        </p:txBody>
+      </p:sp>
+      <p:cxnSp>
+        <p:nvCxnSpPr>
+          <p:cNvPr id="25" name="Connector: Elbow 24">
+            <a:extLst>
+              <a:ext uri="{FF2B5EF4-FFF2-40B4-BE49-F238E27FC236}">
+                <a16:creationId xmlns:a16="http://schemas.microsoft.com/office/drawing/2014/main" id="{B1BFB14C-2666-49BA-907B-D88932D45FBF}"/>
+              </a:ext>
+            </a:extLst>
+          </p:cNvPr>
+          <p:cNvCxnSpPr>
+            <a:cxnSpLocks/>
+            <a:stCxn id="13" idx="0"/>
+            <a:endCxn id="15" idx="1"/>
+          </p:cNvCxnSpPr>
+          <p:nvPr/>
+        </p:nvCxnSpPr>
+        <p:spPr>
+          <a:xfrm rot="5400000" flipH="1" flipV="1">
+            <a:off x="455851" y="1423898"/>
+            <a:ext cx="2406435" cy="541125"/>
+          </a:xfrm>
+          <a:prstGeom prst="bentConnector2">
+            <a:avLst/>
+          </a:prstGeom>
+          <a:ln>
+            <a:tailEnd type="triangle"/>
+          </a:ln>
+        </p:spPr>
+        <p:style>
+          <a:lnRef idx="1">
+            <a:schemeClr val="accent1"/>
+          </a:lnRef>
+          <a:fillRef idx="0">
+            <a:schemeClr val="accent1"/>
+          </a:fillRef>
+          <a:effectRef idx="0">
+            <a:schemeClr val="accent1"/>
+          </a:effectRef>
+          <a:fontRef idx="minor">
+            <a:schemeClr val="tx1"/>
+          </a:fontRef>
+        </p:style>
+      </p:cxnSp>
+      <p:sp>
+        <p:nvSpPr>
+          <p:cNvPr id="26" name="TextBox 25">
+            <a:extLst>
+              <a:ext uri="{FF2B5EF4-FFF2-40B4-BE49-F238E27FC236}">
+                <a16:creationId xmlns:a16="http://schemas.microsoft.com/office/drawing/2014/main" id="{2ABBC7B6-4AB8-4033-9745-6F369BED9E5B}"/>
+              </a:ext>
+            </a:extLst>
+          </p:cNvPr>
+          <p:cNvSpPr txBox="1"/>
+          <p:nvPr/>
+        </p:nvSpPr>
+        <p:spPr>
+          <a:xfrm>
+            <a:off x="10620917" y="526796"/>
+            <a:ext cx="940799" cy="2031325"/>
+          </a:xfrm>
+          <a:prstGeom prst="rect">
+            <a:avLst/>
+          </a:prstGeom>
+          <a:noFill/>
+        </p:spPr>
+        <p:txBody>
+          <a:bodyPr wrap="square" rtlCol="0">
+            <a:spAutoFit/>
+          </a:bodyPr>
+          <a:lstStyle/>
+          <a:p>
+            <a:endParaRPr lang="en-US" dirty="0"/>
+          </a:p>
+          <a:p>
+            <a:endParaRPr lang="en-US" dirty="0"/>
+          </a:p>
+          <a:p>
+            <a:r>
+              <a:rPr lang="en-US" dirty="0"/>
+              <a:t>@t=1</a:t>
+            </a:r>
+          </a:p>
+          <a:p>
+            <a:endParaRPr lang="en-US" dirty="0"/>
+          </a:p>
+          <a:p>
+            <a:r>
+              <a:rPr lang="en-US" dirty="0"/>
+              <a:t>…</a:t>
+            </a:r>
+          </a:p>
+          <a:p>
+            <a:endParaRPr lang="en-US" dirty="0"/>
+          </a:p>
+          <a:p>
+            <a:r>
+              <a:rPr lang="en-US" dirty="0"/>
+              <a:t>@t &gt;= 3</a:t>
+            </a:r>
+          </a:p>
+        </p:txBody>
+      </p:sp>
+      <p:pic>
+        <p:nvPicPr>
+          <p:cNvPr id="27" name="Picture 26" descr="A close up of a sign&#10;&#10;Description automatically generated">
+            <a:extLst>
+              <a:ext uri="{FF2B5EF4-FFF2-40B4-BE49-F238E27FC236}">
+                <a16:creationId xmlns:a16="http://schemas.microsoft.com/office/drawing/2014/main" id="{8136FE38-4798-4BDF-9385-D1437646692F}"/>
+              </a:ext>
+            </a:extLst>
+          </p:cNvPr>
+          <p:cNvPicPr>
+            <a:picLocks noChangeAspect="1"/>
+          </p:cNvPicPr>
+          <p:nvPr/>
+        </p:nvPicPr>
+        <p:blipFill>
+          <a:blip r:embed="rId5">
+            <a:extLst>
+              <a:ext uri="{28A0092B-C50C-407E-A947-70E740481C1C}">
+                <a14:useLocalDpi xmlns:a14="http://schemas.microsoft.com/office/drawing/2010/main" val="0"/>
+              </a:ext>
+            </a:extLst>
+          </a:blip>
+          <a:stretch>
+            <a:fillRect/>
+          </a:stretch>
+        </p:blipFill>
+        <p:spPr>
+          <a:xfrm>
+            <a:off x="4151089" y="40268"/>
+            <a:ext cx="1640873" cy="613279"/>
+          </a:xfrm>
+          <a:prstGeom prst="rect">
+            <a:avLst/>
+          </a:prstGeom>
+        </p:spPr>
+      </p:pic>
+      <p:cxnSp>
+        <p:nvCxnSpPr>
+          <p:cNvPr id="28" name="Connector: Elbow 27">
+            <a:extLst>
+              <a:ext uri="{FF2B5EF4-FFF2-40B4-BE49-F238E27FC236}">
+                <a16:creationId xmlns:a16="http://schemas.microsoft.com/office/drawing/2014/main" id="{C086035E-8D4B-4ED4-8AF7-4CF3D471A3C5}"/>
+              </a:ext>
+            </a:extLst>
+          </p:cNvPr>
+          <p:cNvCxnSpPr>
+            <a:cxnSpLocks/>
+            <a:endCxn id="10" idx="3"/>
+          </p:cNvCxnSpPr>
+          <p:nvPr/>
+        </p:nvCxnSpPr>
+        <p:spPr>
+          <a:xfrm rot="16200000" flipV="1">
+            <a:off x="8728682" y="832110"/>
+            <a:ext cx="2122158" cy="1396919"/>
+          </a:xfrm>
+          <a:prstGeom prst="bentConnector2">
+            <a:avLst/>
+          </a:prstGeom>
+          <a:ln>
+            <a:tailEnd type="triangle"/>
+          </a:ln>
+        </p:spPr>
+        <p:style>
+          <a:lnRef idx="1">
+            <a:schemeClr val="accent1"/>
+          </a:lnRef>
+          <a:fillRef idx="0">
+            <a:schemeClr val="accent1"/>
+          </a:fillRef>
+          <a:effectRef idx="0">
+            <a:schemeClr val="accent1"/>
+          </a:effectRef>
+          <a:fontRef idx="minor">
+            <a:schemeClr val="tx1"/>
+          </a:fontRef>
+        </p:style>
+      </p:cxnSp>
+      <p:sp>
+        <p:nvSpPr>
+          <p:cNvPr id="29" name="TextBox 28">
+            <a:extLst>
+              <a:ext uri="{FF2B5EF4-FFF2-40B4-BE49-F238E27FC236}">
+                <a16:creationId xmlns:a16="http://schemas.microsoft.com/office/drawing/2014/main" id="{19EC197C-C354-4BF5-B3B6-E7ADC2A79342}"/>
+              </a:ext>
+            </a:extLst>
+          </p:cNvPr>
+          <p:cNvSpPr txBox="1"/>
+          <p:nvPr/>
+        </p:nvSpPr>
+        <p:spPr>
+          <a:xfrm>
+            <a:off x="348617" y="924130"/>
+            <a:ext cx="855058" cy="923330"/>
+          </a:xfrm>
+          <a:prstGeom prst="rect">
+            <a:avLst/>
+          </a:prstGeom>
+          <a:noFill/>
+        </p:spPr>
+        <p:txBody>
+          <a:bodyPr wrap="square">
+            <a:spAutoFit/>
+          </a:bodyPr>
+          <a:lstStyle/>
+          <a:p>
+            <a:endParaRPr lang="en-US" dirty="0"/>
+          </a:p>
+          <a:p>
+            <a:endParaRPr lang="en-US" dirty="0"/>
+          </a:p>
+          <a:p>
+            <a:r>
+              <a:rPr lang="en-US" dirty="0"/>
+              <a:t>@t=2</a:t>
+            </a:r>
+          </a:p>
+        </p:txBody>
+      </p:sp>
+      <p:sp>
+        <p:nvSpPr>
+          <p:cNvPr id="30" name="TextBox 29">
+            <a:extLst>
+              <a:ext uri="{FF2B5EF4-FFF2-40B4-BE49-F238E27FC236}">
+                <a16:creationId xmlns:a16="http://schemas.microsoft.com/office/drawing/2014/main" id="{0973F51F-9991-4451-AD98-A5311F91F1A5}"/>
+              </a:ext>
+            </a:extLst>
+          </p:cNvPr>
+          <p:cNvSpPr txBox="1"/>
+          <p:nvPr/>
+        </p:nvSpPr>
+        <p:spPr>
+          <a:xfrm>
+            <a:off x="4588684" y="866944"/>
+            <a:ext cx="3399072" cy="369332"/>
+          </a:xfrm>
+          <a:prstGeom prst="rect">
+            <a:avLst/>
+          </a:prstGeom>
+          <a:noFill/>
+        </p:spPr>
+        <p:txBody>
+          <a:bodyPr wrap="none" rtlCol="0">
+            <a:spAutoFit/>
+          </a:bodyPr>
+          <a:lstStyle/>
+          <a:p>
+            <a:r>
+              <a:rPr lang="en-US" b="1" dirty="0"/>
+              <a:t>/dev/</a:t>
+            </a:r>
+            <a:r>
+              <a:rPr lang="en-US" b="1" dirty="0" err="1"/>
+              <a:t>shm</a:t>
+            </a:r>
+            <a:r>
+              <a:rPr lang="en-US" b="1" dirty="0"/>
+              <a:t>/</a:t>
+            </a:r>
+            <a:r>
+              <a:rPr lang="en-US" b="1" dirty="0" err="1"/>
+              <a:t>ChronicleStampedLock</a:t>
+            </a:r>
+            <a:endParaRPr lang="en-US" b="1" dirty="0"/>
+          </a:p>
+        </p:txBody>
+      </p:sp>
+      <p:sp>
+        <p:nvSpPr>
+          <p:cNvPr id="31" name="TextBox 30">
+            <a:extLst>
+              <a:ext uri="{FF2B5EF4-FFF2-40B4-BE49-F238E27FC236}">
+                <a16:creationId xmlns:a16="http://schemas.microsoft.com/office/drawing/2014/main" id="{858B61B2-DFBD-4D79-BDE6-D1BB72A8A722}"/>
+              </a:ext>
+            </a:extLst>
+          </p:cNvPr>
+          <p:cNvSpPr txBox="1"/>
+          <p:nvPr/>
+        </p:nvSpPr>
+        <p:spPr>
+          <a:xfrm>
+            <a:off x="8252418" y="811642"/>
+            <a:ext cx="2368500" cy="646331"/>
+          </a:xfrm>
+          <a:prstGeom prst="rect">
+            <a:avLst/>
+          </a:prstGeom>
+          <a:noFill/>
+        </p:spPr>
+        <p:txBody>
+          <a:bodyPr wrap="square" rtlCol="0">
+            <a:spAutoFit/>
+          </a:bodyPr>
+          <a:lstStyle/>
+          <a:p>
+            <a:r>
+              <a:rPr lang="en-US" dirty="0" err="1"/>
+              <a:t>Stmp</a:t>
+            </a:r>
+            <a:r>
+              <a:rPr lang="en-US" dirty="0"/>
+              <a:t> = </a:t>
+            </a:r>
+            <a:r>
+              <a:rPr lang="en-US" dirty="0" err="1"/>
+              <a:t>csl.</a:t>
+            </a:r>
+            <a:r>
+              <a:rPr lang="en-US" i="1" dirty="0" err="1"/>
+              <a:t>tryOptimisticRead</a:t>
+            </a:r>
+            <a:r>
+              <a:rPr lang="en-US" i="1" dirty="0"/>
+              <a:t>();</a:t>
+            </a:r>
+          </a:p>
+        </p:txBody>
+      </p:sp>
+      <p:sp>
+        <p:nvSpPr>
+          <p:cNvPr id="32" name="TextBox 31">
+            <a:extLst>
+              <a:ext uri="{FF2B5EF4-FFF2-40B4-BE49-F238E27FC236}">
+                <a16:creationId xmlns:a16="http://schemas.microsoft.com/office/drawing/2014/main" id="{E9546134-7A30-4B54-8AE3-BD2336012B83}"/>
+              </a:ext>
+            </a:extLst>
+          </p:cNvPr>
+          <p:cNvSpPr txBox="1"/>
+          <p:nvPr/>
+        </p:nvSpPr>
+        <p:spPr>
+          <a:xfrm>
+            <a:off x="8593772" y="2137474"/>
+            <a:ext cx="2015425" cy="646331"/>
+          </a:xfrm>
+          <a:prstGeom prst="rect">
+            <a:avLst/>
+          </a:prstGeom>
+          <a:noFill/>
+        </p:spPr>
+        <p:txBody>
+          <a:bodyPr wrap="square" rtlCol="0">
+            <a:spAutoFit/>
+          </a:bodyPr>
+          <a:lstStyle/>
+          <a:p>
+            <a:r>
+              <a:rPr lang="en-US" dirty="0"/>
+              <a:t>?Dirty == </a:t>
+            </a:r>
+            <a:r>
+              <a:rPr lang="en-US" dirty="0" err="1"/>
+              <a:t>csl.validate</a:t>
+            </a:r>
+            <a:r>
+              <a:rPr lang="en-US" dirty="0"/>
+              <a:t>(</a:t>
+            </a:r>
+            <a:r>
+              <a:rPr lang="en-US" dirty="0" err="1"/>
+              <a:t>Stmp</a:t>
+            </a:r>
+            <a:r>
+              <a:rPr lang="en-US" dirty="0"/>
+              <a:t>);</a:t>
+            </a:r>
+            <a:endParaRPr lang="en-US" i="1" dirty="0"/>
+          </a:p>
+        </p:txBody>
+      </p:sp>
+      <p:sp>
+        <p:nvSpPr>
+          <p:cNvPr id="33" name="TextBox 32">
+            <a:extLst>
+              <a:ext uri="{FF2B5EF4-FFF2-40B4-BE49-F238E27FC236}">
+                <a16:creationId xmlns:a16="http://schemas.microsoft.com/office/drawing/2014/main" id="{3DB86439-864A-45AC-BC9B-B8FCA32143DF}"/>
+              </a:ext>
+            </a:extLst>
+          </p:cNvPr>
+          <p:cNvSpPr txBox="1"/>
+          <p:nvPr/>
+        </p:nvSpPr>
+        <p:spPr>
+          <a:xfrm>
+            <a:off x="278038" y="1463895"/>
+            <a:ext cx="6096000" cy="369332"/>
+          </a:xfrm>
+          <a:prstGeom prst="rect">
+            <a:avLst/>
+          </a:prstGeom>
+          <a:noFill/>
+        </p:spPr>
+        <p:txBody>
+          <a:bodyPr wrap="square">
+            <a:spAutoFit/>
+          </a:bodyPr>
+          <a:lstStyle/>
+          <a:p>
+            <a:r>
+              <a:rPr lang="en-US" dirty="0"/>
+              <a:t>                      </a:t>
+            </a:r>
+            <a:r>
+              <a:rPr lang="en-US" dirty="0" err="1"/>
+              <a:t>Stmp</a:t>
+            </a:r>
+            <a:r>
+              <a:rPr lang="en-US" dirty="0"/>
+              <a:t> = </a:t>
+            </a:r>
+            <a:r>
+              <a:rPr lang="en-US" dirty="0" err="1"/>
+              <a:t>csl.</a:t>
+            </a:r>
+            <a:r>
+              <a:rPr lang="en-US" i="1" dirty="0" err="1"/>
+              <a:t>tryWriteLock</a:t>
+            </a:r>
+            <a:r>
+              <a:rPr lang="en-US" i="1" dirty="0"/>
+              <a:t>();</a:t>
+            </a:r>
+            <a:endParaRPr lang="en-US" dirty="0"/>
+          </a:p>
+        </p:txBody>
+      </p:sp>
+      <p:cxnSp>
+        <p:nvCxnSpPr>
+          <p:cNvPr id="34" name="Straight Connector 33">
+            <a:extLst>
+              <a:ext uri="{FF2B5EF4-FFF2-40B4-BE49-F238E27FC236}">
+                <a16:creationId xmlns:a16="http://schemas.microsoft.com/office/drawing/2014/main" id="{6E1A4F58-E2D5-4BBD-A4C7-D17E9F6EDCDB}"/>
+              </a:ext>
+            </a:extLst>
+          </p:cNvPr>
+          <p:cNvCxnSpPr>
+            <a:cxnSpLocks/>
+            <a:stCxn id="10" idx="1"/>
+            <a:endCxn id="27" idx="3"/>
+          </p:cNvCxnSpPr>
+          <p:nvPr/>
+        </p:nvCxnSpPr>
+        <p:spPr>
+          <a:xfrm flipH="1" flipV="1">
+            <a:off x="5791962" y="346908"/>
+            <a:ext cx="2861283" cy="122583"/>
+          </a:xfrm>
+          <a:prstGeom prst="line">
+            <a:avLst/>
+          </a:prstGeom>
+        </p:spPr>
+        <p:style>
+          <a:lnRef idx="1">
+            <a:schemeClr val="accent1"/>
+          </a:lnRef>
+          <a:fillRef idx="0">
+            <a:schemeClr val="accent1"/>
+          </a:fillRef>
+          <a:effectRef idx="0">
+            <a:schemeClr val="accent1"/>
+          </a:effectRef>
+          <a:fontRef idx="minor">
+            <a:schemeClr val="tx1"/>
+          </a:fontRef>
+        </p:style>
+      </p:cxnSp>
+      <p:cxnSp>
+        <p:nvCxnSpPr>
+          <p:cNvPr id="35" name="Straight Connector 34">
+            <a:extLst>
+              <a:ext uri="{FF2B5EF4-FFF2-40B4-BE49-F238E27FC236}">
+                <a16:creationId xmlns:a16="http://schemas.microsoft.com/office/drawing/2014/main" id="{6F3B1C1C-67EE-4D7B-A972-3003D51EFE15}"/>
+              </a:ext>
+            </a:extLst>
+          </p:cNvPr>
+          <p:cNvCxnSpPr>
+            <a:cxnSpLocks/>
+            <a:stCxn id="27" idx="1"/>
+            <a:endCxn id="15" idx="3"/>
+          </p:cNvCxnSpPr>
+          <p:nvPr/>
+        </p:nvCxnSpPr>
+        <p:spPr>
+          <a:xfrm flipH="1">
+            <a:off x="2367687" y="346908"/>
+            <a:ext cx="1783402" cy="144334"/>
+          </a:xfrm>
+          <a:prstGeom prst="line">
+            <a:avLst/>
+          </a:prstGeom>
+        </p:spPr>
+        <p:style>
+          <a:lnRef idx="1">
+            <a:schemeClr val="accent1"/>
+          </a:lnRef>
+          <a:fillRef idx="0">
+            <a:schemeClr val="accent1"/>
+          </a:fillRef>
+          <a:effectRef idx="0">
+            <a:schemeClr val="accent1"/>
+          </a:effectRef>
+          <a:fontRef idx="minor">
+            <a:schemeClr val="tx1"/>
+          </a:fontRef>
+        </p:style>
+      </p:cxnSp>
+      <p:sp>
+        <p:nvSpPr>
+          <p:cNvPr id="36" name="TextBox 35">
+            <a:extLst>
+              <a:ext uri="{FF2B5EF4-FFF2-40B4-BE49-F238E27FC236}">
+                <a16:creationId xmlns:a16="http://schemas.microsoft.com/office/drawing/2014/main" id="{9BDF5E61-8068-435A-9F8D-2C16C846CE58}"/>
+              </a:ext>
+            </a:extLst>
+          </p:cNvPr>
+          <p:cNvSpPr txBox="1"/>
+          <p:nvPr/>
+        </p:nvSpPr>
+        <p:spPr>
+          <a:xfrm>
+            <a:off x="129297" y="5286635"/>
+            <a:ext cx="3196741" cy="830997"/>
+          </a:xfrm>
+          <a:prstGeom prst="rect">
+            <a:avLst/>
+          </a:prstGeom>
+          <a:noFill/>
+        </p:spPr>
+        <p:txBody>
+          <a:bodyPr wrap="square" rtlCol="0">
+            <a:spAutoFit/>
+          </a:bodyPr>
+          <a:lstStyle/>
+          <a:p>
+            <a:r>
+              <a:rPr lang="en-US" sz="2400" b="1" dirty="0" err="1"/>
+              <a:t>DirtyReadOffender</a:t>
+            </a:r>
+            <a:endParaRPr lang="en-US" sz="2400" b="1" dirty="0"/>
+          </a:p>
+          <a:p>
+            <a:r>
+              <a:rPr lang="en-US" sz="2400" b="1" dirty="0"/>
+              <a:t>.java</a:t>
+            </a:r>
+          </a:p>
+        </p:txBody>
+      </p:sp>
+      <p:sp>
+        <p:nvSpPr>
+          <p:cNvPr id="37" name="TextBox 36">
+            <a:extLst>
+              <a:ext uri="{FF2B5EF4-FFF2-40B4-BE49-F238E27FC236}">
+                <a16:creationId xmlns:a16="http://schemas.microsoft.com/office/drawing/2014/main" id="{E95AD48E-AD12-499E-9A88-B3BF0AE711FE}"/>
+              </a:ext>
+            </a:extLst>
+          </p:cNvPr>
+          <p:cNvSpPr txBox="1"/>
+          <p:nvPr/>
+        </p:nvSpPr>
+        <p:spPr>
+          <a:xfrm>
+            <a:off x="9170210" y="5106480"/>
+            <a:ext cx="3636345" cy="830997"/>
+          </a:xfrm>
+          <a:prstGeom prst="rect">
+            <a:avLst/>
+          </a:prstGeom>
+          <a:noFill/>
+        </p:spPr>
+        <p:txBody>
+          <a:bodyPr wrap="square" rtlCol="0">
+            <a:spAutoFit/>
+          </a:bodyPr>
+          <a:lstStyle/>
+          <a:p>
+            <a:r>
+              <a:rPr lang="en-US" sz="2400" b="1" dirty="0" err="1"/>
+              <a:t>DirtyReadIntolerant</a:t>
+            </a:r>
+            <a:endParaRPr lang="en-US" sz="2400" b="1" dirty="0"/>
+          </a:p>
+          <a:p>
+            <a:r>
+              <a:rPr lang="en-US" sz="2400" b="1" dirty="0"/>
+              <a:t>.java</a:t>
+            </a:r>
+          </a:p>
+        </p:txBody>
+      </p:sp>
+    </p:spTree>
+    <p:extLst>
+      <p:ext uri="{BB962C8B-B14F-4D97-AF65-F5344CB8AC3E}">
+        <p14:creationId xmlns:p14="http://schemas.microsoft.com/office/powerpoint/2010/main" val="907545887"/>
+      </p:ext>
+    </p:extLst>
+  </p:cSld>
+  <p:clrMapOvr>
+    <a:masterClrMapping/>
+  </p:clrMapOvr>
+</p:sld>
+</file>
+
+<file path=ppt/slides/slide5.xml><?xml version="1.0" encoding="utf-8"?>
+<p:sld xmlns:a="http://schemas.openxmlformats.org/drawingml/2006/main" xmlns:r="http://schemas.openxmlformats.org/officeDocument/2006/relationships" xmlns:p="http://schemas.openxmlformats.org/presentationml/2006/main">
+  <p:cSld>
+    <p:spTree>
+      <p:nvGrpSpPr>
+        <p:cNvPr id="1" name=""/>
+        <p:cNvGrpSpPr/>
+        <p:nvPr/>
+      </p:nvGrpSpPr>
+      <p:grpSpPr>
+        <a:xfrm>
+          <a:off x="0" y="0"/>
+          <a:ext cx="0" cy="0"/>
+          <a:chOff x="0" y="0"/>
+          <a:chExt cx="0" cy="0"/>
+        </a:xfrm>
+      </p:grpSpPr>
+      <p:pic>
+        <p:nvPicPr>
+          <p:cNvPr id="5" name="Picture 8" descr="CITI 1, download CITI 1 :: Vector Logos, Brand logo, Company logo">
+            <a:extLst>
+              <a:ext uri="{FF2B5EF4-FFF2-40B4-BE49-F238E27FC236}">
+                <a16:creationId xmlns:a16="http://schemas.microsoft.com/office/drawing/2014/main" id="{3D02179C-E848-43C9-8FAF-FBD2A756B4C9}"/>
+              </a:ext>
+            </a:extLst>
+          </p:cNvPr>
+          <p:cNvPicPr>
+            <a:picLocks noChangeAspect="1" noChangeArrowheads="1"/>
+          </p:cNvPicPr>
+          <p:nvPr/>
+        </p:nvPicPr>
+        <p:blipFill>
+          <a:blip r:embed="rId2">
+            <a:extLst>
+              <a:ext uri="{28A0092B-C50C-407E-A947-70E740481C1C}">
+                <a14:useLocalDpi xmlns:a14="http://schemas.microsoft.com/office/drawing/2010/main" val="0"/>
+              </a:ext>
+            </a:extLst>
+          </a:blip>
+          <a:srcRect/>
+          <a:stretch>
+            <a:fillRect/>
+          </a:stretch>
+        </p:blipFill>
+        <p:spPr bwMode="auto">
+          <a:xfrm>
+            <a:off x="11244262" y="6174709"/>
+            <a:ext cx="674462" cy="674462"/>
+          </a:xfrm>
+          <a:prstGeom prst="rect">
+            <a:avLst/>
+          </a:prstGeom>
+          <a:noFill/>
+          <a:extLst>
+            <a:ext uri="{909E8E84-426E-40DD-AFC4-6F175D3DCCD1}">
+              <a14:hiddenFill xmlns:a14="http://schemas.microsoft.com/office/drawing/2010/main">
+                <a:solidFill>
+                  <a:srgbClr val="FFFFFF"/>
+                </a:solidFill>
+              </a14:hiddenFill>
+            </a:ext>
+          </a:extLst>
+        </p:spPr>
+      </p:pic>
+      <p:sp>
+        <p:nvSpPr>
+          <p:cNvPr id="7" name="Arrow: Left 6">
+            <a:extLst>
+              <a:ext uri="{FF2B5EF4-FFF2-40B4-BE49-F238E27FC236}">
+                <a16:creationId xmlns:a16="http://schemas.microsoft.com/office/drawing/2014/main" id="{BFC95537-EBAF-4F2B-9097-DC188B46F4D7}"/>
               </a:ext>
             </a:extLst>
           </p:cNvPr>
@@ -5648,8 +5618,8 @@
         </p:nvSpPr>
         <p:spPr>
           <a:xfrm>
-            <a:off x="7427005" y="3429000"/>
-            <a:ext cx="1494972" cy="391885"/>
+            <a:off x="7286171" y="3831771"/>
+            <a:ext cx="1712686" cy="493486"/>
           </a:xfrm>
           <a:prstGeom prst="leftArrow">
             <a:avLst/>
@@ -5676,19 +5646,81 @@
           <a:lstStyle/>
           <a:p>
             <a:pPr algn="ctr"/>
+            <a:endParaRPr lang="en-US"/>
+          </a:p>
+        </p:txBody>
+      </p:sp>
+      <p:sp>
+        <p:nvSpPr>
+          <p:cNvPr id="8" name="TextBox 7">
+            <a:extLst>
+              <a:ext uri="{FF2B5EF4-FFF2-40B4-BE49-F238E27FC236}">
+                <a16:creationId xmlns:a16="http://schemas.microsoft.com/office/drawing/2014/main" id="{C15CAB94-5DAA-435E-A883-A52B3416D862}"/>
+              </a:ext>
+            </a:extLst>
+          </p:cNvPr>
+          <p:cNvSpPr txBox="1"/>
+          <p:nvPr/>
+        </p:nvSpPr>
+        <p:spPr>
+          <a:xfrm>
+            <a:off x="9318171" y="4005943"/>
+            <a:ext cx="1277258" cy="369332"/>
+          </a:xfrm>
+          <a:prstGeom prst="rect">
+            <a:avLst/>
+          </a:prstGeom>
+          <a:noFill/>
+        </p:spPr>
+        <p:txBody>
+          <a:bodyPr wrap="square" rtlCol="0">
+            <a:spAutoFit/>
+          </a:bodyPr>
+          <a:lstStyle/>
+          <a:p>
             <a:r>
               <a:rPr lang="en-US" dirty="0"/>
-              <a:t>@t=1</a:t>
-            </a:r>
-          </a:p>
-        </p:txBody>
-      </p:sp>
-      <p:sp>
-        <p:nvSpPr>
-          <p:cNvPr id="13" name="Arrow: Left 12">
-            <a:extLst>
-              <a:ext uri="{FF2B5EF4-FFF2-40B4-BE49-F238E27FC236}">
-                <a16:creationId xmlns:a16="http://schemas.microsoft.com/office/drawing/2014/main" id="{B3EDAE89-3E34-4094-8F08-70AF0C547B8A}"/>
+              <a:t>@t = 3</a:t>
+            </a:r>
+          </a:p>
+        </p:txBody>
+      </p:sp>
+      <p:pic>
+        <p:nvPicPr>
+          <p:cNvPr id="2" name="Picture 1">
+            <a:extLst>
+              <a:ext uri="{FF2B5EF4-FFF2-40B4-BE49-F238E27FC236}">
+                <a16:creationId xmlns:a16="http://schemas.microsoft.com/office/drawing/2014/main" id="{130C1478-AA65-439E-B8C1-EAD5843B66F4}"/>
+              </a:ext>
+            </a:extLst>
+          </p:cNvPr>
+          <p:cNvPicPr>
+            <a:picLocks noChangeAspect="1"/>
+          </p:cNvPicPr>
+          <p:nvPr/>
+        </p:nvPicPr>
+        <p:blipFill>
+          <a:blip r:embed="rId3"/>
+          <a:stretch>
+            <a:fillRect/>
+          </a:stretch>
+        </p:blipFill>
+        <p:spPr>
+          <a:xfrm>
+            <a:off x="636134" y="-14515"/>
+            <a:ext cx="11253562" cy="5842228"/>
+          </a:xfrm>
+          <a:prstGeom prst="rect">
+            <a:avLst/>
+          </a:prstGeom>
+        </p:spPr>
+      </p:pic>
+      <p:sp>
+        <p:nvSpPr>
+          <p:cNvPr id="3" name="Arrow: Left 2">
+            <a:extLst>
+              <a:ext uri="{FF2B5EF4-FFF2-40B4-BE49-F238E27FC236}">
+                <a16:creationId xmlns:a16="http://schemas.microsoft.com/office/drawing/2014/main" id="{68F014F0-64A0-4680-BFDD-F3C37614BFD0}"/>
               </a:ext>
             </a:extLst>
           </p:cNvPr>
@@ -5697,7 +5729,7 @@
         </p:nvSpPr>
         <p:spPr>
           <a:xfrm>
-            <a:off x="7724547" y="2159000"/>
+            <a:off x="7286171" y="4249056"/>
             <a:ext cx="1494972" cy="391885"/>
           </a:xfrm>
           <a:prstGeom prst="leftArrow">
@@ -5727,17 +5759,17 @@
             <a:pPr algn="ctr"/>
             <a:r>
               <a:rPr lang="en-US" dirty="0"/>
-              <a:t>@t=0</a:t>
-            </a:r>
-          </a:p>
-        </p:txBody>
-      </p:sp>
-      <p:sp>
-        <p:nvSpPr>
-          <p:cNvPr id="14" name="Arrow: Left 13">
-            <a:extLst>
-              <a:ext uri="{FF2B5EF4-FFF2-40B4-BE49-F238E27FC236}">
-                <a16:creationId xmlns:a16="http://schemas.microsoft.com/office/drawing/2014/main" id="{1ADC4F8E-83D9-425C-B3A8-261A3B38E602}"/>
+              <a:t>@t=2</a:t>
+            </a:r>
+          </a:p>
+        </p:txBody>
+      </p:sp>
+      <p:sp>
+        <p:nvSpPr>
+          <p:cNvPr id="11" name="Arrow: Left 10">
+            <a:extLst>
+              <a:ext uri="{FF2B5EF4-FFF2-40B4-BE49-F238E27FC236}">
+                <a16:creationId xmlns:a16="http://schemas.microsoft.com/office/drawing/2014/main" id="{30F4E7DD-09A1-4098-A07C-060B84766FD6}"/>
               </a:ext>
             </a:extLst>
           </p:cNvPr>
@@ -5746,7 +5778,7 @@
         </p:nvSpPr>
         <p:spPr>
           <a:xfrm>
-            <a:off x="9749290" y="4655457"/>
+            <a:off x="5145314" y="2050141"/>
             <a:ext cx="1494972" cy="391885"/>
           </a:xfrm>
           <a:prstGeom prst="leftArrow">
@@ -5776,6 +5808,260 @@
             <a:pPr algn="ctr"/>
             <a:r>
               <a:rPr lang="en-US" dirty="0"/>
+              <a:t>@t=0</a:t>
+            </a:r>
+          </a:p>
+        </p:txBody>
+      </p:sp>
+    </p:spTree>
+    <p:extLst>
+      <p:ext uri="{BB962C8B-B14F-4D97-AF65-F5344CB8AC3E}">
+        <p14:creationId xmlns:p14="http://schemas.microsoft.com/office/powerpoint/2010/main" val="7919060"/>
+      </p:ext>
+    </p:extLst>
+  </p:cSld>
+  <p:clrMapOvr>
+    <a:masterClrMapping/>
+  </p:clrMapOvr>
+</p:sld>
+</file>
+
+<file path=ppt/slides/slide6.xml><?xml version="1.0" encoding="utf-8"?>
+<p:sld xmlns:a="http://schemas.openxmlformats.org/drawingml/2006/main" xmlns:r="http://schemas.openxmlformats.org/officeDocument/2006/relationships" xmlns:p="http://schemas.openxmlformats.org/presentationml/2006/main">
+  <p:cSld>
+    <p:spTree>
+      <p:nvGrpSpPr>
+        <p:cNvPr id="1" name=""/>
+        <p:cNvGrpSpPr/>
+        <p:nvPr/>
+      </p:nvGrpSpPr>
+      <p:grpSpPr>
+        <a:xfrm>
+          <a:off x="0" y="0"/>
+          <a:ext cx="0" cy="0"/>
+          <a:chOff x="0" y="0"/>
+          <a:chExt cx="0" cy="0"/>
+        </a:xfrm>
+      </p:grpSpPr>
+      <p:pic>
+        <p:nvPicPr>
+          <p:cNvPr id="5" name="Picture 8" descr="CITI 1, download CITI 1 :: Vector Logos, Brand logo, Company logo">
+            <a:extLst>
+              <a:ext uri="{FF2B5EF4-FFF2-40B4-BE49-F238E27FC236}">
+                <a16:creationId xmlns:a16="http://schemas.microsoft.com/office/drawing/2014/main" id="{D3A3700F-52BB-411E-8EE8-7FBA2FF16B62}"/>
+              </a:ext>
+            </a:extLst>
+          </p:cNvPr>
+          <p:cNvPicPr>
+            <a:picLocks noChangeAspect="1" noChangeArrowheads="1"/>
+          </p:cNvPicPr>
+          <p:nvPr/>
+        </p:nvPicPr>
+        <p:blipFill>
+          <a:blip r:embed="rId2">
+            <a:extLst>
+              <a:ext uri="{28A0092B-C50C-407E-A947-70E740481C1C}">
+                <a14:useLocalDpi xmlns:a14="http://schemas.microsoft.com/office/drawing/2010/main" val="0"/>
+              </a:ext>
+            </a:extLst>
+          </a:blip>
+          <a:srcRect/>
+          <a:stretch>
+            <a:fillRect/>
+          </a:stretch>
+        </p:blipFill>
+        <p:spPr bwMode="auto">
+          <a:xfrm>
+            <a:off x="11244262" y="6174709"/>
+            <a:ext cx="674462" cy="674462"/>
+          </a:xfrm>
+          <a:prstGeom prst="rect">
+            <a:avLst/>
+          </a:prstGeom>
+          <a:noFill/>
+          <a:extLst>
+            <a:ext uri="{909E8E84-426E-40DD-AFC4-6F175D3DCCD1}">
+              <a14:hiddenFill xmlns:a14="http://schemas.microsoft.com/office/drawing/2010/main">
+                <a:solidFill>
+                  <a:srgbClr val="FFFFFF"/>
+                </a:solidFill>
+              </a14:hiddenFill>
+            </a:ext>
+          </a:extLst>
+        </p:spPr>
+      </p:pic>
+      <p:pic>
+        <p:nvPicPr>
+          <p:cNvPr id="4" name="Picture 3">
+            <a:extLst>
+              <a:ext uri="{FF2B5EF4-FFF2-40B4-BE49-F238E27FC236}">
+                <a16:creationId xmlns:a16="http://schemas.microsoft.com/office/drawing/2014/main" id="{78090BDC-C032-4346-9960-5B9F2D336BE5}"/>
+              </a:ext>
+            </a:extLst>
+          </p:cNvPr>
+          <p:cNvPicPr>
+            <a:picLocks noChangeAspect="1"/>
+          </p:cNvPicPr>
+          <p:nvPr/>
+        </p:nvPicPr>
+        <p:blipFill>
+          <a:blip r:embed="rId3"/>
+          <a:stretch>
+            <a:fillRect/>
+          </a:stretch>
+        </p:blipFill>
+        <p:spPr>
+          <a:xfrm>
+            <a:off x="1824037" y="435428"/>
+            <a:ext cx="9420225" cy="5486400"/>
+          </a:xfrm>
+          <a:prstGeom prst="rect">
+            <a:avLst/>
+          </a:prstGeom>
+        </p:spPr>
+      </p:pic>
+      <p:sp>
+        <p:nvSpPr>
+          <p:cNvPr id="8" name="Arrow: Left 7">
+            <a:extLst>
+              <a:ext uri="{FF2B5EF4-FFF2-40B4-BE49-F238E27FC236}">
+                <a16:creationId xmlns:a16="http://schemas.microsoft.com/office/drawing/2014/main" id="{80A8AF85-F8FA-4713-B847-736001677D0D}"/>
+              </a:ext>
+            </a:extLst>
+          </p:cNvPr>
+          <p:cNvSpPr/>
+          <p:nvPr/>
+        </p:nvSpPr>
+        <p:spPr>
+          <a:xfrm>
+            <a:off x="7427005" y="3429000"/>
+            <a:ext cx="1494972" cy="391885"/>
+          </a:xfrm>
+          <a:prstGeom prst="leftArrow">
+            <a:avLst/>
+          </a:prstGeom>
+        </p:spPr>
+        <p:style>
+          <a:lnRef idx="2">
+            <a:schemeClr val="accent1">
+              <a:shade val="50000"/>
+            </a:schemeClr>
+          </a:lnRef>
+          <a:fillRef idx="1">
+            <a:schemeClr val="accent1"/>
+          </a:fillRef>
+          <a:effectRef idx="0">
+            <a:schemeClr val="accent1"/>
+          </a:effectRef>
+          <a:fontRef idx="minor">
+            <a:schemeClr val="lt1"/>
+          </a:fontRef>
+        </p:style>
+        <p:txBody>
+          <a:bodyPr rtlCol="0" anchor="ctr"/>
+          <a:lstStyle/>
+          <a:p>
+            <a:pPr algn="ctr"/>
+            <a:r>
+              <a:rPr lang="en-US" dirty="0"/>
+              <a:t>@t=1</a:t>
+            </a:r>
+          </a:p>
+        </p:txBody>
+      </p:sp>
+      <p:sp>
+        <p:nvSpPr>
+          <p:cNvPr id="13" name="Arrow: Left 12">
+            <a:extLst>
+              <a:ext uri="{FF2B5EF4-FFF2-40B4-BE49-F238E27FC236}">
+                <a16:creationId xmlns:a16="http://schemas.microsoft.com/office/drawing/2014/main" id="{B3EDAE89-3E34-4094-8F08-70AF0C547B8A}"/>
+              </a:ext>
+            </a:extLst>
+          </p:cNvPr>
+          <p:cNvSpPr/>
+          <p:nvPr/>
+        </p:nvSpPr>
+        <p:spPr>
+          <a:xfrm>
+            <a:off x="7724547" y="2159000"/>
+            <a:ext cx="1494972" cy="391885"/>
+          </a:xfrm>
+          <a:prstGeom prst="leftArrow">
+            <a:avLst/>
+          </a:prstGeom>
+        </p:spPr>
+        <p:style>
+          <a:lnRef idx="2">
+            <a:schemeClr val="accent1">
+              <a:shade val="50000"/>
+            </a:schemeClr>
+          </a:lnRef>
+          <a:fillRef idx="1">
+            <a:schemeClr val="accent1"/>
+          </a:fillRef>
+          <a:effectRef idx="0">
+            <a:schemeClr val="accent1"/>
+          </a:effectRef>
+          <a:fontRef idx="minor">
+            <a:schemeClr val="lt1"/>
+          </a:fontRef>
+        </p:style>
+        <p:txBody>
+          <a:bodyPr rtlCol="0" anchor="ctr"/>
+          <a:lstStyle/>
+          <a:p>
+            <a:pPr algn="ctr"/>
+            <a:r>
+              <a:rPr lang="en-US" dirty="0"/>
+              <a:t>@t=0</a:t>
+            </a:r>
+          </a:p>
+        </p:txBody>
+      </p:sp>
+      <p:sp>
+        <p:nvSpPr>
+          <p:cNvPr id="14" name="Arrow: Left 13">
+            <a:extLst>
+              <a:ext uri="{FF2B5EF4-FFF2-40B4-BE49-F238E27FC236}">
+                <a16:creationId xmlns:a16="http://schemas.microsoft.com/office/drawing/2014/main" id="{1ADC4F8E-83D9-425C-B3A8-261A3B38E602}"/>
+              </a:ext>
+            </a:extLst>
+          </p:cNvPr>
+          <p:cNvSpPr/>
+          <p:nvPr/>
+        </p:nvSpPr>
+        <p:spPr>
+          <a:xfrm>
+            <a:off x="9749290" y="4655457"/>
+            <a:ext cx="1494972" cy="391885"/>
+          </a:xfrm>
+          <a:prstGeom prst="leftArrow">
+            <a:avLst/>
+          </a:prstGeom>
+        </p:spPr>
+        <p:style>
+          <a:lnRef idx="2">
+            <a:schemeClr val="accent1">
+              <a:shade val="50000"/>
+            </a:schemeClr>
+          </a:lnRef>
+          <a:fillRef idx="1">
+            <a:schemeClr val="accent1"/>
+          </a:fillRef>
+          <a:effectRef idx="0">
+            <a:schemeClr val="accent1"/>
+          </a:effectRef>
+          <a:fontRef idx="minor">
+            <a:schemeClr val="lt1"/>
+          </a:fontRef>
+        </p:style>
+        <p:txBody>
+          <a:bodyPr rtlCol="0" anchor="ctr"/>
+          <a:lstStyle/>
+          <a:p>
+            <a:pPr algn="ctr"/>
+            <a:r>
+              <a:rPr lang="en-US" dirty="0"/>
               <a:t>@t &gt;= 3</a:t>
             </a:r>
           </a:p>
@@ -5794,7 +6080,7 @@
 </p:sld>
 </file>
 
-<file path=ppt/slides/slide5.xml><?xml version="1.0" encoding="utf-8"?>
+<file path=ppt/slides/slide7.xml><?xml version="1.0" encoding="utf-8"?>
 <p:sld xmlns:a="http://schemas.openxmlformats.org/drawingml/2006/main" xmlns:r="http://schemas.openxmlformats.org/officeDocument/2006/relationships" xmlns:p="http://schemas.openxmlformats.org/presentationml/2006/main">
   <p:cSld>
     <p:spTree>
